--- a/Assets/Prefab System/PPT Data/Prefab System Example.pptx
+++ b/Assets/Prefab System/PPT Data/Prefab System Example.pptx
@@ -2,13 +2,16 @@
 <file path=ppt/presentation.xml><?xml version="1.0" encoding="utf-8"?>
 <p:presentation xmlns:a="http://schemas.openxmlformats.org/drawingml/2006/main" xmlns:r="http://schemas.openxmlformats.org/officeDocument/2006/relationships" xmlns:p="http://schemas.openxmlformats.org/presentationml/2006/main" xmlns:p14="http://schemas.microsoft.com/office/powerpoint/2010/main" saveSubsetFonts="1" firstSlideNum="0">
   <p:sldMasterIdLst>
-    <p:sldMasterId id="2147485822" r:id="rId12"/>
+    <p:sldMasterId id="2147485831" r:id="rId12"/>
   </p:sldMasterIdLst>
   <p:notesMasterIdLst>
     <p:notesMasterId r:id="rId14"/>
   </p:notesMasterIdLst>
   <p:sldIdLst>
-    <p:sldId id="289" r:id="rId16"/>
+    <p:sldId id="290" r:id="rId16"/>
+    <p:sldId id="289" r:id="rId17"/>
+    <p:sldId id="291" r:id="rId18"/>
+    <p:sldId id="292" r:id="rId19"/>
   </p:sldIdLst>
   <p:sldSz cx="12192000" cy="6858000"/>
   <p:notesSz cx="6858000" cy="9144000"/>
@@ -497,7 +500,7 @@
         <p:spPr>
           <a:xfrm rot="0">
             <a:off x="685800" y="1143000"/>
-            <a:ext cx="5489575" cy="3089275"/>
+            <a:ext cx="5490210" cy="3089910"/>
           </a:xfrm>
           <a:prstGeom prst="rect"/>
           <a:noFill/>
@@ -536,7 +539,7 @@
         <p:spPr>
           <a:xfrm rot="0">
             <a:off x="685800" y="4400550"/>
-            <a:ext cx="5489575" cy="3603625"/>
+            <a:ext cx="5490210" cy="3604260"/>
           </a:xfrm>
           <a:prstGeom prst="rect"/>
         </p:spPr>
@@ -566,7 +569,433 @@
         <p:spPr>
           <a:xfrm rot="0">
             <a:off x="3884930" y="8685530"/>
+            <a:ext cx="2975610" cy="462280"/>
+          </a:xfrm>
+          <a:prstGeom prst="rect"/>
+        </p:spPr>
+        <p:txBody>
+          <a:bodyPr wrap="square" lIns="91440" tIns="45720" rIns="91440" bIns="45720" numCol="1" vert="horz" anchor="b">
+            <a:noAutofit/>
+          </a:bodyPr>
+          <a:lstStyle>
+            <a:lvl1pPr marL="0" indent="0" algn="r" latinLnBrk="0">
+              <a:buFontTx/>
+              <a:buNone/>
+              <a:defRPr lang="en-GB" altLang="en-US" sz="1200"/>
+            </a:lvl1pPr>
+          </a:lstStyle>
+          <a:p>
+            <a:pPr marL="0" indent="0" latinLnBrk="0">
+              <a:buFontTx/>
+              <a:buNone/>
+            </a:pPr>
+            <a:fld id="{B9320F77-B9A0-41C5-862A-B4B631284C64}" type="slidenum">
+              <a:rPr lang="ko-KR" altLang="en-US"/>
+              <a:t>‹#›</a:t>
+            </a:fld>
+          </a:p>
+        </p:txBody>
+      </p:sp>
+    </p:spTree>
+  </p:cSld>
+  <p:clrMapOvr>
+    <a:masterClrMapping/>
+  </p:clrMapOvr>
+  <mc:AlternateContent xmlns:mc="http://schemas.openxmlformats.org/markup-compatibility/2006">
+    <mc:Choice xmlns:p14="http://schemas.microsoft.com/office/powerpoint/2010/main" Requires="p14">
+      <p:transition spd="slow" p14:dur="0"/>
+    </mc:Choice>
+    <mc:Fallback>
+      <p:transition spd="slow"/>
+    </mc:Fallback>
+  </mc:AlternateContent>
+</p:notes>
+</file>
+
+<file path=ppt/notesSlides/notesSlide2.xml><?xml version="1.0" encoding="utf-8"?>
+<p:notes xmlns:a="http://schemas.openxmlformats.org/drawingml/2006/main" xmlns:r="http://schemas.openxmlformats.org/officeDocument/2006/relationships" xmlns:p="http://schemas.openxmlformats.org/presentationml/2006/main">
+  <p:cSld>
+    <p:spTree>
+      <p:nvGrpSpPr>
+        <p:cNvPr id="1" name=""/>
+        <p:cNvGrpSpPr/>
+        <p:nvPr/>
+      </p:nvGrpSpPr>
+      <p:grpSpPr>
+        <a:xfrm>
+          <a:off x="0" y="0"/>
+          <a:ext cx="0" cy="0"/>
+          <a:chOff x="0" y="0"/>
+          <a:chExt cx="0" cy="0"/>
+        </a:xfrm>
+      </p:grpSpPr>
+      <p:sp>
+        <p:nvSpPr>
+          <p:cNvPr id="2" name="슬라이드 이미지 개체 틀 3"/>
+          <p:cNvSpPr>
+            <a:spLocks noChangeAspect="1"/>
+          </p:cNvSpPr>
+          <p:nvPr>
+            <p:ph type="sldImg" idx="2"/>
+          </p:nvPr>
+        </p:nvSpPr>
+        <p:spPr>
+          <a:xfrm rot="0">
+            <a:off x="685800" y="1143000"/>
+            <a:ext cx="5489575" cy="3089275"/>
+          </a:xfrm>
+          <a:prstGeom prst="rect"/>
+          <a:noFill/>
+          <a:ln w="12700" cap="flat" cmpd="sng">
+            <a:solidFill>
+              <a:srgbClr val="000000">
+                <a:alpha val="100000"/>
+              </a:srgbClr>
+            </a:solidFill>
+            <a:prstDash val="solid"/>
+          </a:ln>
+        </p:spPr>
+        <p:txBody>
+          <a:bodyPr wrap="square" lIns="91440" tIns="45720" rIns="91440" bIns="45720" numCol="1" vert="horz" anchor="ctr">
+            <a:noAutofit/>
+          </a:bodyPr>
+          <a:lstStyle/>
+          <a:p>
+            <a:pPr marL="0" indent="0" latinLnBrk="0">
+              <a:buFontTx/>
+              <a:buNone/>
+            </a:pPr>
+          </a:p>
+        </p:txBody>
+      </p:sp>
+      <p:sp>
+        <p:nvSpPr>
+          <p:cNvPr id="3" name="슬라이드 노트 개체 틀 4"/>
+          <p:cNvSpPr txBox="1">
+            <a:spLocks/>
+          </p:cNvSpPr>
+          <p:nvPr>
+            <p:ph type="body" idx="3"/>
+          </p:nvPr>
+        </p:nvSpPr>
+        <p:spPr>
+          <a:xfrm rot="0">
+            <a:off x="685800" y="4400550"/>
+            <a:ext cx="5489575" cy="3603625"/>
+          </a:xfrm>
+          <a:prstGeom prst="rect"/>
+        </p:spPr>
+        <p:txBody>
+          <a:bodyPr wrap="square" lIns="91440" tIns="45720" rIns="91440" bIns="45720" numCol="1" vert="horz" anchor="t">
+            <a:noAutofit/>
+          </a:bodyPr>
+          <a:lstStyle/>
+          <a:p>
+            <a:pPr marL="0" indent="0" latinLnBrk="0">
+              <a:buFontTx/>
+              <a:buNone/>
+            </a:pPr>
+          </a:p>
+        </p:txBody>
+      </p:sp>
+      <p:sp>
+        <p:nvSpPr>
+          <p:cNvPr id="4" name="슬라이드 번호 개체 틀 6"/>
+          <p:cNvSpPr txBox="1">
+            <a:spLocks/>
+          </p:cNvSpPr>
+          <p:nvPr>
+            <p:ph type="sldNum" idx="5"/>
+          </p:nvPr>
+        </p:nvSpPr>
+        <p:spPr>
+          <a:xfrm rot="0">
+            <a:off x="3884930" y="8685530"/>
             <a:ext cx="2974975" cy="461645"/>
+          </a:xfrm>
+          <a:prstGeom prst="rect"/>
+        </p:spPr>
+        <p:txBody>
+          <a:bodyPr wrap="square" lIns="91440" tIns="45720" rIns="91440" bIns="45720" numCol="1" vert="horz" anchor="b">
+            <a:noAutofit/>
+          </a:bodyPr>
+          <a:lstStyle>
+            <a:lvl1pPr marL="0" indent="0" algn="r" latinLnBrk="0">
+              <a:buFontTx/>
+              <a:buNone/>
+              <a:defRPr lang="en-GB" altLang="en-US" sz="1200"/>
+            </a:lvl1pPr>
+          </a:lstStyle>
+          <a:p>
+            <a:pPr marL="0" indent="0" latinLnBrk="0">
+              <a:buFontTx/>
+              <a:buNone/>
+            </a:pPr>
+            <a:fld id="{B9320F77-B9A0-41C5-862A-B4B631284C64}" type="slidenum">
+              <a:rPr lang="ko-KR" altLang="en-US"/>
+              <a:t>‹#›</a:t>
+            </a:fld>
+          </a:p>
+        </p:txBody>
+      </p:sp>
+    </p:spTree>
+  </p:cSld>
+  <p:clrMapOvr>
+    <a:masterClrMapping/>
+  </p:clrMapOvr>
+  <mc:AlternateContent xmlns:mc="http://schemas.openxmlformats.org/markup-compatibility/2006">
+    <mc:Choice xmlns:p14="http://schemas.microsoft.com/office/powerpoint/2010/main" Requires="p14">
+      <p:transition spd="slow" p14:dur="0"/>
+    </mc:Choice>
+    <mc:Fallback>
+      <p:transition spd="slow"/>
+    </mc:Fallback>
+  </mc:AlternateContent>
+</p:notes>
+</file>
+
+<file path=ppt/notesSlides/notesSlide3.xml><?xml version="1.0" encoding="utf-8"?>
+<p:notes xmlns:a="http://schemas.openxmlformats.org/drawingml/2006/main" xmlns:r="http://schemas.openxmlformats.org/officeDocument/2006/relationships" xmlns:p="http://schemas.openxmlformats.org/presentationml/2006/main">
+  <p:cSld>
+    <p:spTree>
+      <p:nvGrpSpPr>
+        <p:cNvPr id="1" name=""/>
+        <p:cNvGrpSpPr/>
+        <p:nvPr/>
+      </p:nvGrpSpPr>
+      <p:grpSpPr>
+        <a:xfrm>
+          <a:off x="0" y="0"/>
+          <a:ext cx="0" cy="0"/>
+          <a:chOff x="0" y="0"/>
+          <a:chExt cx="0" cy="0"/>
+        </a:xfrm>
+      </p:grpSpPr>
+      <p:sp>
+        <p:nvSpPr>
+          <p:cNvPr id="2" name="슬라이드 이미지 개체 틀 3"/>
+          <p:cNvSpPr>
+            <a:spLocks noChangeAspect="1"/>
+          </p:cNvSpPr>
+          <p:nvPr>
+            <p:ph type="sldImg" idx="2"/>
+          </p:nvPr>
+        </p:nvSpPr>
+        <p:spPr>
+          <a:xfrm rot="0">
+            <a:off x="685800" y="1143000"/>
+            <a:ext cx="5490210" cy="3089910"/>
+          </a:xfrm>
+          <a:prstGeom prst="rect"/>
+          <a:noFill/>
+          <a:ln w="12700" cap="flat" cmpd="sng">
+            <a:solidFill>
+              <a:srgbClr val="000000">
+                <a:alpha val="100000"/>
+              </a:srgbClr>
+            </a:solidFill>
+            <a:prstDash val="solid"/>
+          </a:ln>
+        </p:spPr>
+        <p:txBody>
+          <a:bodyPr wrap="square" lIns="91440" tIns="45720" rIns="91440" bIns="45720" numCol="1" vert="horz" anchor="ctr">
+            <a:noAutofit/>
+          </a:bodyPr>
+          <a:lstStyle/>
+          <a:p>
+            <a:pPr marL="0" indent="0" latinLnBrk="0">
+              <a:buFontTx/>
+              <a:buNone/>
+            </a:pPr>
+          </a:p>
+        </p:txBody>
+      </p:sp>
+      <p:sp>
+        <p:nvSpPr>
+          <p:cNvPr id="3" name="슬라이드 노트 개체 틀 4"/>
+          <p:cNvSpPr txBox="1">
+            <a:spLocks/>
+          </p:cNvSpPr>
+          <p:nvPr>
+            <p:ph type="body" idx="3"/>
+          </p:nvPr>
+        </p:nvSpPr>
+        <p:spPr>
+          <a:xfrm rot="0">
+            <a:off x="685800" y="4400550"/>
+            <a:ext cx="5490210" cy="3604260"/>
+          </a:xfrm>
+          <a:prstGeom prst="rect"/>
+        </p:spPr>
+        <p:txBody>
+          <a:bodyPr wrap="square" lIns="91440" tIns="45720" rIns="91440" bIns="45720" numCol="1" vert="horz" anchor="t">
+            <a:noAutofit/>
+          </a:bodyPr>
+          <a:lstStyle/>
+          <a:p>
+            <a:pPr marL="0" indent="0" latinLnBrk="0">
+              <a:buFontTx/>
+              <a:buNone/>
+            </a:pPr>
+          </a:p>
+        </p:txBody>
+      </p:sp>
+      <p:sp>
+        <p:nvSpPr>
+          <p:cNvPr id="4" name="슬라이드 번호 개체 틀 6"/>
+          <p:cNvSpPr txBox="1">
+            <a:spLocks/>
+          </p:cNvSpPr>
+          <p:nvPr>
+            <p:ph type="sldNum" idx="5"/>
+          </p:nvPr>
+        </p:nvSpPr>
+        <p:spPr>
+          <a:xfrm rot="0">
+            <a:off x="3884930" y="8685530"/>
+            <a:ext cx="2975610" cy="462280"/>
+          </a:xfrm>
+          <a:prstGeom prst="rect"/>
+        </p:spPr>
+        <p:txBody>
+          <a:bodyPr wrap="square" lIns="91440" tIns="45720" rIns="91440" bIns="45720" numCol="1" vert="horz" anchor="b">
+            <a:noAutofit/>
+          </a:bodyPr>
+          <a:lstStyle>
+            <a:lvl1pPr marL="0" indent="0" algn="r" latinLnBrk="0">
+              <a:buFontTx/>
+              <a:buNone/>
+              <a:defRPr lang="en-GB" altLang="en-US" sz="1200"/>
+            </a:lvl1pPr>
+          </a:lstStyle>
+          <a:p>
+            <a:pPr marL="0" indent="0" latinLnBrk="0">
+              <a:buFontTx/>
+              <a:buNone/>
+            </a:pPr>
+            <a:fld id="{B9320F77-B9A0-41C5-862A-B4B631284C64}" type="slidenum">
+              <a:rPr lang="ko-KR" altLang="en-US"/>
+              <a:t>‹#›</a:t>
+            </a:fld>
+          </a:p>
+        </p:txBody>
+      </p:sp>
+    </p:spTree>
+  </p:cSld>
+  <p:clrMapOvr>
+    <a:masterClrMapping/>
+  </p:clrMapOvr>
+  <mc:AlternateContent xmlns:mc="http://schemas.openxmlformats.org/markup-compatibility/2006">
+    <mc:Choice xmlns:p14="http://schemas.microsoft.com/office/powerpoint/2010/main" Requires="p14">
+      <p:transition spd="slow" p14:dur="0"/>
+    </mc:Choice>
+    <mc:Fallback>
+      <p:transition spd="slow"/>
+    </mc:Fallback>
+  </mc:AlternateContent>
+</p:notes>
+</file>
+
+<file path=ppt/notesSlides/notesSlide4.xml><?xml version="1.0" encoding="utf-8"?>
+<p:notes xmlns:a="http://schemas.openxmlformats.org/drawingml/2006/main" xmlns:r="http://schemas.openxmlformats.org/officeDocument/2006/relationships" xmlns:p="http://schemas.openxmlformats.org/presentationml/2006/main">
+  <p:cSld>
+    <p:spTree>
+      <p:nvGrpSpPr>
+        <p:cNvPr id="1" name=""/>
+        <p:cNvGrpSpPr/>
+        <p:nvPr/>
+      </p:nvGrpSpPr>
+      <p:grpSpPr>
+        <a:xfrm>
+          <a:off x="0" y="0"/>
+          <a:ext cx="0" cy="0"/>
+          <a:chOff x="0" y="0"/>
+          <a:chExt cx="0" cy="0"/>
+        </a:xfrm>
+      </p:grpSpPr>
+      <p:sp>
+        <p:nvSpPr>
+          <p:cNvPr id="2" name="슬라이드 이미지 개체 틀 3"/>
+          <p:cNvSpPr>
+            <a:spLocks noChangeAspect="1"/>
+          </p:cNvSpPr>
+          <p:nvPr>
+            <p:ph type="sldImg" idx="2"/>
+          </p:nvPr>
+        </p:nvSpPr>
+        <p:spPr>
+          <a:xfrm rot="0">
+            <a:off x="685800" y="1143000"/>
+            <a:ext cx="5490210" cy="3089910"/>
+          </a:xfrm>
+          <a:prstGeom prst="rect"/>
+          <a:noFill/>
+          <a:ln w="12700" cap="flat" cmpd="sng">
+            <a:solidFill>
+              <a:srgbClr val="000000">
+                <a:alpha val="100000"/>
+              </a:srgbClr>
+            </a:solidFill>
+            <a:prstDash val="solid"/>
+          </a:ln>
+        </p:spPr>
+        <p:txBody>
+          <a:bodyPr wrap="square" lIns="91440" tIns="45720" rIns="91440" bIns="45720" numCol="1" vert="horz" anchor="ctr">
+            <a:noAutofit/>
+          </a:bodyPr>
+          <a:lstStyle/>
+          <a:p>
+            <a:pPr marL="0" indent="0" latinLnBrk="0">
+              <a:buFontTx/>
+              <a:buNone/>
+            </a:pPr>
+          </a:p>
+        </p:txBody>
+      </p:sp>
+      <p:sp>
+        <p:nvSpPr>
+          <p:cNvPr id="3" name="슬라이드 노트 개체 틀 4"/>
+          <p:cNvSpPr txBox="1">
+            <a:spLocks/>
+          </p:cNvSpPr>
+          <p:nvPr>
+            <p:ph type="body" idx="3"/>
+          </p:nvPr>
+        </p:nvSpPr>
+        <p:spPr>
+          <a:xfrm rot="0">
+            <a:off x="685800" y="4400550"/>
+            <a:ext cx="5490210" cy="3604260"/>
+          </a:xfrm>
+          <a:prstGeom prst="rect"/>
+        </p:spPr>
+        <p:txBody>
+          <a:bodyPr wrap="square" lIns="91440" tIns="45720" rIns="91440" bIns="45720" numCol="1" vert="horz" anchor="t">
+            <a:noAutofit/>
+          </a:bodyPr>
+          <a:lstStyle/>
+          <a:p>
+            <a:pPr marL="0" indent="0" latinLnBrk="0">
+              <a:buFontTx/>
+              <a:buNone/>
+            </a:pPr>
+          </a:p>
+        </p:txBody>
+      </p:sp>
+      <p:sp>
+        <p:nvSpPr>
+          <p:cNvPr id="4" name="슬라이드 번호 개체 틀 6"/>
+          <p:cNvSpPr txBox="1">
+            <a:spLocks/>
+          </p:cNvSpPr>
+          <p:nvPr>
+            <p:ph type="sldNum" idx="5"/>
+          </p:nvPr>
+        </p:nvSpPr>
+        <p:spPr>
+          <a:xfrm rot="0">
+            <a:off x="3884930" y="8685530"/>
+            <a:ext cx="2975610" cy="462280"/>
           </a:xfrm>
           <a:prstGeom prst="rect"/>
         </p:spPr>
@@ -5495,6 +5924,670 @@
 </file>
 
 <file path=ppt/slides/slide1.xml><?xml version="1.0" encoding="utf-8"?>
+<p:sld xmlns:a="http://schemas.openxmlformats.org/drawingml/2006/main" xmlns:r="http://schemas.openxmlformats.org/officeDocument/2006/relationships" xmlns:p="http://schemas.openxmlformats.org/presentationml/2006/main">
+  <p:cSld>
+    <p:spTree>
+      <p:nvGrpSpPr>
+        <p:cNvPr id="1" name=""/>
+        <p:cNvGrpSpPr/>
+        <p:nvPr/>
+      </p:nvGrpSpPr>
+      <p:grpSpPr>
+        <a:xfrm>
+          <a:off x="0" y="0"/>
+          <a:ext cx="0" cy="0"/>
+          <a:chOff x="0" y="0"/>
+          <a:chExt cx="0" cy="0"/>
+        </a:xfrm>
+      </p:grpSpPr>
+      <p:sp>
+        <p:nvSpPr>
+          <p:cNvPr id="1031" name="Rect 0"/>
+          <p:cNvSpPr txBox="1">
+            <a:spLocks/>
+          </p:cNvSpPr>
+          <p:nvPr/>
+        </p:nvSpPr>
+        <p:spPr>
+          <a:xfrm rot="0">
+            <a:off x="4832350" y="443865"/>
+            <a:ext cx="2516505" cy="478155"/>
+          </a:xfrm>
+          <a:prstGeom prst="rect"/>
+          <a:noFill/>
+          <a:ln w="0">
+            <a:noFill/>
+            <a:prstDash/>
+          </a:ln>
+        </p:spPr>
+        <p:txBody>
+          <a:bodyPr wrap="square" lIns="89535" tIns="46355" rIns="89535" bIns="46355" numCol="1" vert="horz" anchor="t">
+            <a:spAutoFit/>
+          </a:bodyPr>
+          <a:lstStyle/>
+          <a:p>
+            <a:pPr marL="0" indent="0" algn="ctr" latinLnBrk="0">
+              <a:buFontTx/>
+              <a:buNone/>
+            </a:pPr>
+            <a:r>
+              <a:rPr lang="ko-KR" altLang="en-US" sz="2500" b="1">
+                <a:solidFill>
+                  <a:schemeClr val="tx1"/>
+                </a:solidFill>
+                <a:latin typeface="나눔바른고딕" charset="0"/>
+                <a:ea typeface="나눔바른고딕" charset="0"/>
+              </a:rPr>
+              <a:t>Prefab</a:t>
+            </a:r>
+            <a:endParaRPr lang="ko-KR" altLang="en-US" sz="2500" b="1">
+              <a:solidFill>
+                <a:schemeClr val="tx1"/>
+              </a:solidFill>
+              <a:latin typeface="나눔바른고딕" charset="0"/>
+              <a:ea typeface="나눔바른고딕" charset="0"/>
+            </a:endParaRPr>
+          </a:p>
+        </p:txBody>
+      </p:sp>
+      <p:sp>
+        <p:nvSpPr>
+          <p:cNvPr id="1035" name="Rect 0"/>
+          <p:cNvSpPr txBox="1">
+            <a:spLocks/>
+          </p:cNvSpPr>
+          <p:nvPr/>
+        </p:nvSpPr>
+        <p:spPr>
+          <a:xfrm rot="0">
+            <a:off x="1240155" y="1439545"/>
+            <a:ext cx="4126865" cy="923925"/>
+          </a:xfrm>
+          <a:prstGeom prst="rect"/>
+          <a:noFill/>
+          <a:ln w="0">
+            <a:noFill/>
+            <a:prstDash/>
+          </a:ln>
+        </p:spPr>
+        <p:txBody>
+          <a:bodyPr wrap="square" lIns="89535" tIns="46355" rIns="89535" bIns="46355" numCol="1" vert="horz" anchor="t">
+            <a:spAutoFit/>
+          </a:bodyPr>
+          <a:lstStyle/>
+          <a:p>
+            <a:pPr marL="0" indent="0" algn="l" latinLnBrk="0" hangingPunct="1">
+              <a:buFontTx/>
+              <a:buNone/>
+            </a:pPr>
+            <a:r>
+              <a:rPr lang="ko-KR" sz="1800">
+                <a:latin typeface="맑은 고딕" charset="0"/>
+                <a:ea typeface="맑은 고딕" charset="0"/>
+              </a:rPr>
+              <a:t>프리팹은</a:t>
+            </a:r>
+            <a:r>
+              <a:rPr lang="ko-KR" sz="1800">
+                <a:latin typeface="맑은 고딕" charset="0"/>
+                <a:ea typeface="맑은 고딕" charset="0"/>
+              </a:rPr>
+              <a:t> </a:t>
+            </a:r>
+            <a:r>
+              <a:rPr lang="ko-KR" sz="1800">
+                <a:latin typeface="맑은 고딕" charset="0"/>
+                <a:ea typeface="맑은 고딕" charset="0"/>
+              </a:rPr>
+              <a:t>이미</a:t>
+            </a:r>
+            <a:r>
+              <a:rPr lang="ko-KR" sz="1800">
+                <a:latin typeface="맑은 고딕" charset="0"/>
+                <a:ea typeface="맑은 고딕" charset="0"/>
+              </a:rPr>
+              <a:t> </a:t>
+            </a:r>
+            <a:r>
+              <a:rPr lang="ko-KR" sz="1800">
+                <a:latin typeface="맑은 고딕" charset="0"/>
+                <a:ea typeface="맑은 고딕" charset="0"/>
+              </a:rPr>
+              <a:t>생성된</a:t>
+            </a:r>
+            <a:r>
+              <a:rPr lang="ko-KR" sz="1800">
+                <a:latin typeface="맑은 고딕" charset="0"/>
+                <a:ea typeface="맑은 고딕" charset="0"/>
+              </a:rPr>
+              <a:t> </a:t>
+            </a:r>
+            <a:r>
+              <a:rPr lang="ko-KR" sz="1800">
+                <a:latin typeface="맑은 고딕" charset="0"/>
+                <a:ea typeface="맑은 고딕" charset="0"/>
+              </a:rPr>
+              <a:t>게임</a:t>
+            </a:r>
+            <a:r>
+              <a:rPr lang="ko-KR" sz="1800">
+                <a:latin typeface="맑은 고딕" charset="0"/>
+                <a:ea typeface="맑은 고딕" charset="0"/>
+              </a:rPr>
+              <a:t> </a:t>
+            </a:r>
+            <a:r>
+              <a:rPr lang="ko-KR" sz="1800">
+                <a:latin typeface="맑은 고딕" charset="0"/>
+                <a:ea typeface="맑은 고딕" charset="0"/>
+              </a:rPr>
+              <a:t>오브젝트를</a:t>
+            </a:r>
+            <a:r>
+              <a:rPr lang="ko-KR" sz="1800">
+                <a:latin typeface="맑은 고딕" charset="0"/>
+                <a:ea typeface="맑은 고딕" charset="0"/>
+              </a:rPr>
+              <a:t> </a:t>
+            </a:r>
+            <a:r>
+              <a:rPr lang="ko-KR" sz="1800">
+                <a:latin typeface="맑은 고딕" charset="0"/>
+                <a:ea typeface="맑은 고딕" charset="0"/>
+              </a:rPr>
+              <a:t>재활용할</a:t>
+            </a:r>
+            <a:r>
+              <a:rPr lang="ko-KR" sz="1800">
+                <a:latin typeface="맑은 고딕" charset="0"/>
+                <a:ea typeface="맑은 고딕" charset="0"/>
+              </a:rPr>
+              <a:t> </a:t>
+            </a:r>
+            <a:r>
+              <a:rPr lang="ko-KR" sz="1800">
+                <a:latin typeface="맑은 고딕" charset="0"/>
+                <a:ea typeface="맑은 고딕" charset="0"/>
+              </a:rPr>
+              <a:t>수</a:t>
+            </a:r>
+            <a:r>
+              <a:rPr lang="ko-KR" sz="1800">
+                <a:latin typeface="맑은 고딕" charset="0"/>
+                <a:ea typeface="맑은 고딕" charset="0"/>
+              </a:rPr>
+              <a:t> </a:t>
+            </a:r>
+            <a:r>
+              <a:rPr lang="ko-KR" sz="1800">
+                <a:latin typeface="맑은 고딕" charset="0"/>
+                <a:ea typeface="맑은 고딕" charset="0"/>
+              </a:rPr>
+              <a:t>있는</a:t>
+            </a:r>
+            <a:r>
+              <a:rPr lang="ko-KR" sz="1800">
+                <a:latin typeface="맑은 고딕" charset="0"/>
+                <a:ea typeface="맑은 고딕" charset="0"/>
+              </a:rPr>
+              <a:t> </a:t>
+            </a:r>
+            <a:r>
+              <a:rPr lang="ko-KR" sz="1800">
+                <a:latin typeface="맑은 고딕" charset="0"/>
+                <a:ea typeface="맑은 고딕" charset="0"/>
+              </a:rPr>
+              <a:t>형태로</a:t>
+            </a:r>
+            <a:r>
+              <a:rPr lang="ko-KR" sz="1800">
+                <a:latin typeface="맑은 고딕" charset="0"/>
+                <a:ea typeface="맑은 고딕" charset="0"/>
+              </a:rPr>
+              <a:t> </a:t>
+            </a:r>
+            <a:r>
+              <a:rPr lang="ko-KR" sz="1800">
+                <a:latin typeface="맑은 고딕" charset="0"/>
+                <a:ea typeface="맑은 고딕" charset="0"/>
+              </a:rPr>
+              <a:t>설정해놓은</a:t>
+            </a:r>
+            <a:r>
+              <a:rPr lang="ko-KR" sz="1800">
+                <a:latin typeface="맑은 고딕" charset="0"/>
+                <a:ea typeface="맑은 고딕" charset="0"/>
+              </a:rPr>
+              <a:t> </a:t>
+            </a:r>
+            <a:r>
+              <a:rPr lang="ko-KR" sz="1800">
+                <a:latin typeface="맑은 고딕" charset="0"/>
+                <a:ea typeface="맑은 고딕" charset="0"/>
+              </a:rPr>
+              <a:t>게임</a:t>
+            </a:r>
+            <a:r>
+              <a:rPr lang="ko-KR" sz="1800">
+                <a:latin typeface="맑은 고딕" charset="0"/>
+                <a:ea typeface="맑은 고딕" charset="0"/>
+              </a:rPr>
+              <a:t> </a:t>
+            </a:r>
+            <a:r>
+              <a:rPr lang="ko-KR" sz="1800">
+                <a:latin typeface="맑은 고딕" charset="0"/>
+                <a:ea typeface="맑은 고딕" charset="0"/>
+              </a:rPr>
+              <a:t>오브젝트입니다.</a:t>
+            </a:r>
+            <a:endParaRPr lang="ko-KR" altLang="en-US" sz="1800">
+              <a:latin typeface="맑은 고딕" charset="0"/>
+              <a:ea typeface="맑은 고딕" charset="0"/>
+            </a:endParaRPr>
+          </a:p>
+        </p:txBody>
+      </p:sp>
+      <p:sp>
+        <p:nvSpPr>
+          <p:cNvPr id="1037" name="Rect 0"/>
+          <p:cNvSpPr txBox="1">
+            <a:spLocks/>
+          </p:cNvSpPr>
+          <p:nvPr/>
+        </p:nvSpPr>
+        <p:spPr>
+          <a:xfrm rot="0">
+            <a:off x="6813550" y="1438910"/>
+            <a:ext cx="4169410" cy="647065"/>
+          </a:xfrm>
+          <a:prstGeom prst="rect"/>
+          <a:noFill/>
+          <a:ln w="0">
+            <a:noFill/>
+            <a:prstDash/>
+          </a:ln>
+        </p:spPr>
+        <p:txBody>
+          <a:bodyPr wrap="square" lIns="89535" tIns="46355" rIns="89535" bIns="46355" numCol="1" vert="horz" anchor="t">
+            <a:spAutoFit/>
+          </a:bodyPr>
+          <a:lstStyle/>
+          <a:p>
+            <a:pPr marL="0" indent="0" algn="l" latinLnBrk="0" hangingPunct="1">
+              <a:buFontTx/>
+              <a:buNone/>
+            </a:pPr>
+            <a:r>
+              <a:rPr lang="ko-KR" sz="1800">
+                <a:latin typeface="맑은 고딕" charset="0"/>
+                <a:ea typeface="맑은 고딕" charset="0"/>
+              </a:rPr>
+              <a:t>프리팹으로</a:t>
+            </a:r>
+            <a:r>
+              <a:rPr lang="ko-KR" sz="1800">
+                <a:latin typeface="맑은 고딕" charset="0"/>
+                <a:ea typeface="맑은 고딕" charset="0"/>
+              </a:rPr>
+              <a:t> 설정된 게임 오브젝트는 </a:t>
+            </a:r>
+            <a:r>
+              <a:rPr lang="ko-KR" sz="1800">
+                <a:latin typeface="맑은 고딕" charset="0"/>
+                <a:ea typeface="맑은 고딕" charset="0"/>
+              </a:rPr>
+              <a:t>다</a:t>
+            </a:r>
+            <a:r>
+              <a:rPr lang="ko-KR" sz="1800">
+                <a:latin typeface="맑은 고딕" charset="0"/>
+                <a:ea typeface="맑은 고딕" charset="0"/>
+              </a:rPr>
+              <a:t> </a:t>
+            </a:r>
+            <a:r>
+              <a:rPr lang="ko-KR" sz="1800">
+                <a:latin typeface="맑은 고딕" charset="0"/>
+                <a:ea typeface="맑은 고딕" charset="0"/>
+              </a:rPr>
+              <a:t>같이</a:t>
+            </a:r>
+            <a:r>
+              <a:rPr lang="ko-KR" sz="1800">
+                <a:latin typeface="맑은 고딕" charset="0"/>
+                <a:ea typeface="맑은 고딕" charset="0"/>
+              </a:rPr>
+              <a:t> 참조되어 있어 상태입니다.</a:t>
+            </a:r>
+            <a:endParaRPr lang="ko-KR" altLang="en-US" sz="1800">
+              <a:latin typeface="맑은 고딕" charset="0"/>
+              <a:ea typeface="맑은 고딕" charset="0"/>
+            </a:endParaRPr>
+          </a:p>
+        </p:txBody>
+      </p:sp>
+      <p:sp>
+        <p:nvSpPr>
+          <p:cNvPr id="1039" name="Rect 0"/>
+          <p:cNvSpPr txBox="1">
+            <a:spLocks/>
+          </p:cNvSpPr>
+          <p:nvPr/>
+        </p:nvSpPr>
+        <p:spPr>
+          <a:xfrm rot="0">
+            <a:off x="1249045" y="5259070"/>
+            <a:ext cx="4112260" cy="923925"/>
+          </a:xfrm>
+          <a:prstGeom prst="rect"/>
+          <a:noFill/>
+          <a:ln w="0">
+            <a:noFill/>
+            <a:prstDash/>
+          </a:ln>
+        </p:spPr>
+        <p:txBody>
+          <a:bodyPr wrap="square" lIns="89535" tIns="46355" rIns="89535" bIns="46355" numCol="1" vert="horz" anchor="t">
+            <a:spAutoFit/>
+          </a:bodyPr>
+          <a:lstStyle/>
+          <a:p>
+            <a:pPr marL="0" indent="0" algn="l" latinLnBrk="0" hangingPunct="1">
+              <a:buFontTx/>
+              <a:buNone/>
+            </a:pPr>
+            <a:r>
+              <a:rPr lang="ko-KR" sz="1800">
+                <a:latin typeface="맑은 고딕" charset="0"/>
+                <a:ea typeface="맑은 고딕" charset="0"/>
+              </a:rPr>
+              <a:t>프리팹의</a:t>
+            </a:r>
+            <a:r>
+              <a:rPr lang="ko-KR" sz="1800">
+                <a:latin typeface="맑은 고딕" charset="0"/>
+                <a:ea typeface="맑은 고딕" charset="0"/>
+              </a:rPr>
+              <a:t> 경우 Asset 폴더의 데이터로 </a:t>
+            </a:r>
+            <a:r>
+              <a:rPr lang="ko-KR" sz="1800">
+                <a:latin typeface="맑은 고딕" charset="0"/>
+                <a:ea typeface="맑은 고딕" charset="0"/>
+              </a:rPr>
+              <a:t>존재하며,</a:t>
+            </a:r>
+            <a:r>
+              <a:rPr lang="ko-KR" sz="1800">
+                <a:latin typeface="맑은 고딕" charset="0"/>
+                <a:ea typeface="맑은 고딕" charset="0"/>
+              </a:rPr>
+              <a:t> 실행 시간에 프리팹을 </a:t>
+            </a:r>
+            <a:r>
+              <a:rPr lang="ko-KR" sz="1800">
+                <a:latin typeface="맑은 고딕" charset="0"/>
+                <a:ea typeface="맑은 고딕" charset="0"/>
+              </a:rPr>
+              <a:t>생성할</a:t>
+            </a:r>
+            <a:r>
+              <a:rPr lang="ko-KR" sz="1800">
+                <a:latin typeface="맑은 고딕" charset="0"/>
+                <a:ea typeface="맑은 고딕" charset="0"/>
+              </a:rPr>
+              <a:t> </a:t>
+            </a:r>
+            <a:r>
+              <a:rPr lang="ko-KR" sz="1800">
+                <a:latin typeface="맑은 고딕" charset="0"/>
+                <a:ea typeface="맑은 고딕" charset="0"/>
+              </a:rPr>
+              <a:t>수</a:t>
+            </a:r>
+            <a:r>
+              <a:rPr lang="ko-KR" sz="1800">
+                <a:latin typeface="맑은 고딕" charset="0"/>
+                <a:ea typeface="맑은 고딕" charset="0"/>
+              </a:rPr>
+              <a:t> 있습니다.</a:t>
+            </a:r>
+            <a:endParaRPr lang="ko-KR" altLang="en-US" sz="1800">
+              <a:latin typeface="맑은 고딕" charset="0"/>
+              <a:ea typeface="맑은 고딕" charset="0"/>
+            </a:endParaRPr>
+          </a:p>
+        </p:txBody>
+      </p:sp>
+      <p:pic>
+        <p:nvPicPr>
+          <p:cNvPr id="1051" name="Picture " descr="C:/Users/Admin1/AppData/Roaming/PolarisOffice/ETemp/20164_10016072/fImage504092968467.png"/>
+          <p:cNvPicPr>
+            <a:picLocks noChangeAspect="1"/>
+          </p:cNvPicPr>
+          <p:nvPr/>
+        </p:nvPicPr>
+        <p:blipFill rotWithShape="1">
+          <a:blip r:embed="rId2" cstate="hqprint">
+            <a:extLst>
+              <a:ext uri="{28A0092B-C50C-407E-A947-70E740481C1C}">
+                <a14:useLocalDpi xmlns:a14="http://schemas.microsoft.com/office/drawing/2010/main"/>
+              </a:ext>
+            </a:extLst>
+          </a:blip>
+          <a:stretch>
+            <a:fillRect/>
+          </a:stretch>
+        </p:blipFill>
+        <p:spPr>
+          <a:xfrm rot="0">
+            <a:off x="6813550" y="2291080"/>
+            <a:ext cx="4169410" cy="2451100"/>
+          </a:xfrm>
+          <a:prstGeom prst="roundRect"/>
+          <a:solidFill>
+            <a:srgbClr val="EDEDED"/>
+          </a:solidFill>
+        </p:spPr>
+      </p:pic>
+      <p:pic>
+        <p:nvPicPr>
+          <p:cNvPr id="1052" name="Picture " descr="C:/Users/Admin1/AppData/Roaming/PolarisOffice/ETemp/20164_10016072/fImage1040312976334.png"/>
+          <p:cNvPicPr>
+            <a:picLocks noChangeAspect="1"/>
+          </p:cNvPicPr>
+          <p:nvPr/>
+        </p:nvPicPr>
+        <p:blipFill rotWithShape="1">
+          <a:blip r:embed="rId3" cstate="hqprint">
+            <a:extLst>
+              <a:ext uri="{28A0092B-C50C-407E-A947-70E740481C1C}">
+                <a14:useLocalDpi xmlns:a14="http://schemas.microsoft.com/office/drawing/2010/main"/>
+              </a:ext>
+            </a:extLst>
+          </a:blip>
+          <a:stretch>
+            <a:fillRect/>
+          </a:stretch>
+        </p:blipFill>
+        <p:spPr>
+          <a:xfrm rot="0">
+            <a:off x="1275080" y="2586990"/>
+            <a:ext cx="4132580" cy="2478405"/>
+          </a:xfrm>
+          <a:prstGeom prst="roundRect"/>
+          <a:solidFill>
+            <a:srgbClr val="EDEDED"/>
+          </a:solidFill>
+        </p:spPr>
+      </p:pic>
+      <p:sp>
+        <p:nvSpPr>
+          <p:cNvPr id="1053" name="텍스트 상자 3"/>
+          <p:cNvSpPr txBox="1">
+            <a:spLocks/>
+          </p:cNvSpPr>
+          <p:nvPr/>
+        </p:nvSpPr>
+        <p:spPr>
+          <a:xfrm rot="0">
+            <a:off x="6816725" y="4991100"/>
+            <a:ext cx="4169410" cy="1200785"/>
+          </a:xfrm>
+          <a:prstGeom prst="rect"/>
+          <a:noFill/>
+          <a:ln w="0">
+            <a:noFill/>
+            <a:prstDash/>
+          </a:ln>
+        </p:spPr>
+        <p:txBody>
+          <a:bodyPr wrap="square" lIns="89535" tIns="46355" rIns="89535" bIns="46355" numCol="1" vert="horz" anchor="t">
+            <a:spAutoFit/>
+          </a:bodyPr>
+          <a:lstStyle/>
+          <a:p>
+            <a:pPr marL="0" indent="0" algn="l" latinLnBrk="0" hangingPunct="1">
+              <a:buFontTx/>
+              <a:buNone/>
+            </a:pPr>
+            <a:r>
+              <a:rPr lang="ko-KR" sz="1800">
+                <a:latin typeface="맑은 고딕" charset="0"/>
+                <a:ea typeface="맑은 고딕" charset="0"/>
+              </a:rPr>
+              <a:t>프리팹으로</a:t>
+            </a:r>
+            <a:r>
+              <a:rPr lang="ko-KR" sz="1800">
+                <a:latin typeface="맑은 고딕" charset="0"/>
+                <a:ea typeface="맑은 고딕" charset="0"/>
+              </a:rPr>
+              <a:t> </a:t>
+            </a:r>
+            <a:r>
+              <a:rPr lang="ko-KR" sz="1800">
+                <a:latin typeface="맑은 고딕" charset="0"/>
+                <a:ea typeface="맑은 고딕" charset="0"/>
+              </a:rPr>
+              <a:t>설정된</a:t>
+            </a:r>
+            <a:r>
+              <a:rPr lang="ko-KR" sz="1800">
+                <a:latin typeface="맑은 고딕" charset="0"/>
+                <a:ea typeface="맑은 고딕" charset="0"/>
+              </a:rPr>
+              <a:t> 게임 오브젝트를 </a:t>
+            </a:r>
+            <a:r>
+              <a:rPr lang="ko-KR" sz="1800">
+                <a:latin typeface="맑은 고딕" charset="0"/>
+                <a:ea typeface="맑은 고딕" charset="0"/>
+              </a:rPr>
+              <a:t>변경하게</a:t>
+            </a:r>
+            <a:r>
+              <a:rPr lang="ko-KR" sz="1800">
+                <a:latin typeface="맑은 고딕" charset="0"/>
+                <a:ea typeface="맑은 고딕" charset="0"/>
+              </a:rPr>
+              <a:t> </a:t>
+            </a:r>
+            <a:r>
+              <a:rPr lang="ko-KR" sz="1800">
+                <a:latin typeface="맑은 고딕" charset="0"/>
+                <a:ea typeface="맑은 고딕" charset="0"/>
+              </a:rPr>
+              <a:t>되면</a:t>
+            </a:r>
+            <a:r>
+              <a:rPr lang="ko-KR" sz="1800">
+                <a:latin typeface="맑은 고딕" charset="0"/>
+                <a:ea typeface="맑은 고딕" charset="0"/>
+              </a:rPr>
+              <a:t> </a:t>
+            </a:r>
+            <a:r>
+              <a:rPr lang="ko-KR" sz="1800">
+                <a:latin typeface="맑은 고딕" charset="0"/>
+                <a:ea typeface="맑은 고딕" charset="0"/>
+              </a:rPr>
+              <a:t>참조되어</a:t>
+            </a:r>
+            <a:r>
+              <a:rPr lang="ko-KR" sz="1800">
+                <a:latin typeface="맑은 고딕" charset="0"/>
+                <a:ea typeface="맑은 고딕" charset="0"/>
+              </a:rPr>
+              <a:t> 있는 게임 </a:t>
+            </a:r>
+            <a:r>
+              <a:rPr lang="ko-KR" sz="1800">
+                <a:latin typeface="맑은 고딕" charset="0"/>
+                <a:ea typeface="맑은 고딕" charset="0"/>
+              </a:rPr>
+              <a:t>오브젝트가</a:t>
+            </a:r>
+            <a:r>
+              <a:rPr lang="ko-KR" sz="1800">
+                <a:latin typeface="맑은 고딕" charset="0"/>
+                <a:ea typeface="맑은 고딕" charset="0"/>
+              </a:rPr>
+              <a:t> </a:t>
+            </a:r>
+            <a:r>
+              <a:rPr lang="ko-KR" sz="1800">
+                <a:latin typeface="맑은 고딕" charset="0"/>
+                <a:ea typeface="맑은 고딕" charset="0"/>
+              </a:rPr>
+              <a:t>전체적으로</a:t>
+            </a:r>
+            <a:r>
+              <a:rPr lang="ko-KR" sz="1800">
+                <a:latin typeface="맑은 고딕" charset="0"/>
+                <a:ea typeface="맑은 고딕" charset="0"/>
+              </a:rPr>
+              <a:t> 영향을 받게 </a:t>
+            </a:r>
+            <a:r>
+              <a:rPr lang="ko-KR" sz="1800">
+                <a:latin typeface="맑은 고딕" charset="0"/>
+                <a:ea typeface="맑은 고딕" charset="0"/>
+              </a:rPr>
+              <a:t>됩니다.</a:t>
+            </a:r>
+            <a:endParaRPr lang="ko-KR" altLang="en-US" sz="1800">
+              <a:latin typeface="맑은 고딕" charset="0"/>
+              <a:ea typeface="맑은 고딕" charset="0"/>
+            </a:endParaRPr>
+          </a:p>
+        </p:txBody>
+      </p:sp>
+    </p:spTree>
+  </p:cSld>
+  <p:clrMapOvr>
+    <a:masterClrMapping/>
+  </p:clrMapOvr>
+  <mc:AlternateContent xmlns:mc="http://schemas.openxmlformats.org/markup-compatibility/2006">
+    <mc:Choice xmlns:p14="http://schemas.microsoft.com/office/powerpoint/2010/main" Requires="p14">
+      <p:transition spd="slow" p14:dur="2000"/>
+    </mc:Choice>
+    <mc:Fallback>
+      <p:transition spd="slow"/>
+    </mc:Fallback>
+  </mc:AlternateContent>
+  <p:timing>
+    <p:tnLst>
+      <p:par>
+        <p:cTn id="1" dur="indefinite" restart="never" nodeType="tmRoot"/>
+      </p:par>
+    </p:tnLst>
+  </p:timing>
+</p:sld>
+</file>
+
+<file path=ppt/slides/slide2.xml><?xml version="1.0" encoding="utf-8"?>
 <p:sld xmlns:a="http://schemas.openxmlformats.org/drawingml/2006/main" xmlns:r="http://schemas.openxmlformats.org/officeDocument/2006/relationships" xmlns:p="http://schemas.openxmlformats.org/presentationml/2006/main" xmlns:p14="http://schemas.microsoft.com/office/powerpoint/2010/main">
   <p:cSld>
     <p:spTree>
@@ -5521,8 +6614,8 @@
         </p:nvSpPr>
         <p:spPr>
           <a:xfrm rot="0">
-            <a:off x="5410200" y="469900"/>
-            <a:ext cx="1369060" cy="554990"/>
+            <a:off x="4316095" y="452755"/>
+            <a:ext cx="3549015" cy="478155"/>
           </a:xfrm>
           <a:prstGeom prst="rect"/>
           <a:noFill/>
@@ -5537,33 +6630,63 @@
           </a:bodyPr>
           <a:lstStyle/>
           <a:p>
-            <a:pPr marL="0" indent="0" algn="l" latinLnBrk="0">
-              <a:buFontTx/>
-              <a:buNone/>
-            </a:pPr>
-            <a:r>
-              <a:rPr lang="ko-KR" altLang="en-US" sz="3000" b="1">
+            <a:pPr marL="0" indent="0" algn="ctr" latinLnBrk="0">
+              <a:buFontTx/>
+              <a:buNone/>
+            </a:pPr>
+            <a:r>
+              <a:rPr lang="ko-KR" altLang="en-US" sz="2500" b="1">
                 <a:solidFill>
                   <a:schemeClr val="tx1"/>
                 </a:solidFill>
-                <a:latin typeface="맑은 고딕" charset="0"/>
-                <a:ea typeface="맑은 고딕" charset="0"/>
-              </a:rPr>
-              <a:t>Prefab</a:t>
-            </a:r>
-            <a:endParaRPr lang="ko-KR" altLang="en-US" sz="3000" b="1">
+                <a:latin typeface="나눔바른고딕" charset="0"/>
+                <a:ea typeface="나눔바른고딕" charset="0"/>
+              </a:rPr>
+              <a:t>첫</a:t>
+            </a:r>
+            <a:r>
+              <a:rPr lang="ko-KR" altLang="en-US" sz="2500" b="1">
+                <a:solidFill>
+                  <a:schemeClr val="tx1"/>
+                </a:solidFill>
+                <a:latin typeface="나눔바른고딕" charset="0"/>
+                <a:ea typeface="나눔바른고딕" charset="0"/>
+              </a:rPr>
+              <a:t> 번째 </a:t>
+            </a:r>
+            <a:r>
+              <a:rPr lang="ko-KR" altLang="en-US" sz="2500" b="1">
+                <a:solidFill>
+                  <a:schemeClr val="tx1"/>
+                </a:solidFill>
+                <a:latin typeface="나눔바른고딕" charset="0"/>
+                <a:ea typeface="나눔바른고딕" charset="0"/>
+              </a:rPr>
+              <a:t>튜토리</a:t>
+            </a:r>
+            <a:r>
+              <a:rPr lang="ko-KR" altLang="en-US" sz="2500" b="1">
+                <a:solidFill>
+                  <a:schemeClr val="tx1"/>
+                </a:solidFill>
+                <a:latin typeface="나눔바른고딕" charset="0"/>
+                <a:ea typeface="나눔바른고딕" charset="0"/>
+              </a:rPr>
+              <a:t>얼</a:t>
+            </a:r>
+            <a:endParaRPr lang="ko-KR" altLang="en-US" sz="2500" b="1">
               <a:solidFill>
                 <a:schemeClr val="tx1"/>
               </a:solidFill>
-              <a:latin typeface="맑은 고딕" charset="0"/>
-              <a:ea typeface="맑은 고딕" charset="0"/>
+              <a:latin typeface="나눔바른고딕" charset="0"/>
+              <a:ea typeface="나눔바른고딕" charset="0"/>
             </a:endParaRPr>
           </a:p>
         </p:txBody>
       </p:sp>
       <p:sp>
         <p:nvSpPr>
-          <p:cNvPr id="1035" name="Rect 0"/>
+          <p:cNvPr id="1039" name="텍스트 상자 1"/>
           <p:cNvSpPr txBox="1">
             <a:spLocks/>
           </p:cNvSpPr>
@@ -5571,8 +6694,8 @@
         </p:nvSpPr>
         <p:spPr>
           <a:xfrm rot="0">
-            <a:off x="1222375" y="1491615"/>
-            <a:ext cx="4149090" cy="924560"/>
+            <a:off x="1239520" y="4907915"/>
+            <a:ext cx="4142740" cy="1231265"/>
           </a:xfrm>
           <a:prstGeom prst="rect"/>
           <a:noFill/>
@@ -5587,16 +6710,103 @@
           </a:bodyPr>
           <a:lstStyle/>
           <a:p>
-            <a:pPr marL="0" indent="0" algn="l" latinLnBrk="0" hangingPunct="1">
-              <a:buFontTx/>
-              <a:buNone/>
-            </a:pPr>
-            <a:r>
-              <a:rPr lang="ko-KR" sz="1800">
-                <a:latin typeface="맑은 고딕" charset="0"/>
-                <a:ea typeface="맑은 고딕" charset="0"/>
-              </a:rPr>
-              <a:t>프리팹은 이미 생성된 게임 오브젝트를 재활용할 수 있는 형태로 설정해놓은 게임 오브젝트입니다.</a:t>
+            <a:pPr marL="0" indent="0" rtl="0" algn="l" defTabSz="914400" eaLnBrk="1" latinLnBrk="0" hangingPunct="1">
+              <a:buFontTx/>
+              <a:buNone/>
+            </a:pPr>
+            <a:r>
+              <a:rPr sz="2000" b="1">
+                <a:solidFill>
+                  <a:srgbClr val="0611F2"/>
+                </a:solidFill>
+                <a:latin typeface="맑은 고딕" charset="0"/>
+                <a:ea typeface="맑은 고딕" charset="0"/>
+              </a:rPr>
+              <a:t>1.</a:t>
+            </a:r>
+            <a:r>
+              <a:rPr sz="2000">
+                <a:latin typeface="맑은 고딕" charset="0"/>
+                <a:ea typeface="맑은 고딕" charset="0"/>
+              </a:rPr>
+              <a:t> </a:t>
+            </a:r>
+            <a:r>
+              <a:rPr sz="1800">
+                <a:latin typeface="맑은 고딕" charset="0"/>
+                <a:ea typeface="맑은 고딕" charset="0"/>
+              </a:rPr>
+              <a:t>첫 번째로 UI에서 Button - </a:t>
+            </a:r>
+            <a:r>
+              <a:rPr sz="1800">
+                <a:latin typeface="맑은 고딕" charset="0"/>
+                <a:ea typeface="맑은 고딕" charset="0"/>
+              </a:rPr>
+              <a:t>TextMeshPro</a:t>
+            </a:r>
+            <a:r>
+              <a:rPr sz="1800">
+                <a:latin typeface="맑은 고딕" charset="0"/>
+                <a:ea typeface="맑은 고딕" charset="0"/>
+              </a:rPr>
+              <a:t> </a:t>
+            </a:r>
+            <a:r>
+              <a:rPr sz="1800">
+                <a:latin typeface="맑은 고딕" charset="0"/>
+                <a:ea typeface="맑은 고딕" charset="0"/>
+              </a:rPr>
+              <a:t>오브</a:t>
+            </a:r>
+            <a:r>
+              <a:rPr sz="1800">
+                <a:latin typeface="맑은 고딕" charset="0"/>
+                <a:ea typeface="맑은 고딕" charset="0"/>
+              </a:rPr>
+              <a:t>젝트</a:t>
+            </a:r>
+            <a:r>
+              <a:rPr lang="ko-KR" sz="1800">
+                <a:latin typeface="맑은 고딕" charset="0"/>
+                <a:ea typeface="맑은 고딕" charset="0"/>
+              </a:rPr>
+              <a:t>를 </a:t>
+            </a:r>
+            <a:r>
+              <a:rPr lang="ko-KR" sz="1800">
+                <a:latin typeface="맑은 고딕" charset="0"/>
+                <a:ea typeface="맑은 고딕" charset="0"/>
+              </a:rPr>
+              <a:t>생성한 다음 </a:t>
+            </a:r>
+            <a:r>
+              <a:rPr lang="ko-KR" sz="1800">
+                <a:latin typeface="맑은 고딕" charset="0"/>
+                <a:ea typeface="맑은 고딕" charset="0"/>
+              </a:rPr>
+              <a:t>UnPack</a:t>
+            </a:r>
+            <a:r>
+              <a:rPr lang="ko-KR" sz="1800">
+                <a:latin typeface="맑은 고딕" charset="0"/>
+                <a:ea typeface="맑은 고딕" charset="0"/>
+              </a:rPr>
+              <a:t> Prefab Button이라는 이름으로 </a:t>
+            </a:r>
+            <a:r>
+              <a:rPr lang="ko-KR" sz="1800">
+                <a:latin typeface="맑은 고딕" charset="0"/>
+                <a:ea typeface="맑은 고딕" charset="0"/>
+              </a:rPr>
+              <a:t>정의합니</a:t>
+            </a:r>
+            <a:r>
+              <a:rPr lang="ko-KR" sz="1800">
+                <a:latin typeface="맑은 고딕" charset="0"/>
+                <a:ea typeface="맑은 고딕" charset="0"/>
+              </a:rPr>
+              <a:t>다.</a:t>
             </a:r>
             <a:endParaRPr lang="ko-KR" altLang="en-US" sz="1800">
               <a:latin typeface="맑은 고딕" charset="0"/>
@@ -5605,9 +6815,71 @@
           </a:p>
         </p:txBody>
       </p:sp>
-      <p:sp>
-        <p:nvSpPr>
-          <p:cNvPr id="1037" name="Rect 0"/>
+      <p:pic>
+        <p:nvPicPr>
+          <p:cNvPr id="1054" name="그림 16" descr="C:/Users/Admin1/AppData/Roaming/PolarisOffice/ETemp/20164_10016072/fImage582612841.png"/>
+          <p:cNvPicPr>
+            <a:picLocks noChangeAspect="1"/>
+          </p:cNvPicPr>
+          <p:nvPr/>
+        </p:nvPicPr>
+        <p:blipFill rotWithShape="1">
+          <a:blip r:embed="rId12" cstate="print">
+            <a:extLst>
+              <a:ext uri="{28A0092B-C50C-407E-A947-70E740481C1C}">
+                <a14:useLocalDpi xmlns:a14="http://schemas.microsoft.com/office/drawing/2010/main" val="0"/>
+              </a:ext>
+            </a:extLst>
+          </a:blip>
+          <a:stretch>
+            <a:fillRect/>
+          </a:stretch>
+        </p:blipFill>
+        <p:spPr>
+          <a:xfrm rot="0">
+            <a:off x="4132580" y="2278380"/>
+            <a:ext cx="1248410" cy="1638935"/>
+          </a:xfrm>
+          <a:prstGeom prst="roundRect"/>
+          <a:solidFill>
+            <a:srgbClr val="EDEDED"/>
+          </a:solidFill>
+        </p:spPr>
+      </p:pic>
+      <p:pic>
+        <p:nvPicPr>
+          <p:cNvPr id="1055" name="그림 20" descr="C:/Users/Admin1/AppData/Roaming/PolarisOffice/ETemp/20164_10016072/fImage223991298467.png"/>
+          <p:cNvPicPr>
+            <a:picLocks noChangeAspect="1"/>
+          </p:cNvPicPr>
+          <p:nvPr/>
+        </p:nvPicPr>
+        <p:blipFill rotWithShape="1">
+          <a:blip r:embed="rId13" cstate="print">
+            <a:extLst>
+              <a:ext uri="{28A0092B-C50C-407E-A947-70E740481C1C}">
+                <a14:useLocalDpi xmlns:a14="http://schemas.microsoft.com/office/drawing/2010/main" val="0"/>
+              </a:ext>
+            </a:extLst>
+          </a:blip>
+          <a:stretch>
+            <a:fillRect/>
+          </a:stretch>
+        </p:blipFill>
+        <p:spPr>
+          <a:xfrm rot="0">
+            <a:off x="1247775" y="1447800"/>
+            <a:ext cx="2753360" cy="3295650"/>
+          </a:xfrm>
+          <a:prstGeom prst="roundRect"/>
+          <a:solidFill>
+            <a:srgbClr val="EDEDED"/>
+          </a:solidFill>
+        </p:spPr>
+      </p:pic>
+      <p:sp>
+        <p:nvSpPr>
+          <p:cNvPr id="1056" name="텍스트 상자 23"/>
           <p:cNvSpPr txBox="1">
             <a:spLocks/>
           </p:cNvSpPr>
@@ -5615,8 +6887,8 @@
         </p:nvSpPr>
         <p:spPr>
           <a:xfrm rot="0">
-            <a:off x="6823710" y="4152265"/>
-            <a:ext cx="4130675" cy="2031365"/>
+            <a:off x="6722745" y="5186045"/>
+            <a:ext cx="4231640" cy="954405"/>
           </a:xfrm>
           <a:prstGeom prst="rect"/>
           <a:noFill/>
@@ -5631,54 +6903,261 @@
           </a:bodyPr>
           <a:lstStyle/>
           <a:p>
-            <a:pPr marL="0" indent="0" algn="l" latinLnBrk="0" hangingPunct="1">
-              <a:buFontTx/>
-              <a:buNone/>
-            </a:pPr>
-            <a:r>
-              <a:rPr lang="ko-KR" sz="1800">
-                <a:latin typeface="맑은 고딕" charset="0"/>
-                <a:ea typeface="맑은 고딕" charset="0"/>
-              </a:rPr>
-              <a:t>프리팹으로 설정된 게임 오브젝트는 다 같이 참조되어 있어 상태입니다.</a:t>
+            <a:pPr marL="0" indent="0" rtl="0" algn="l" defTabSz="914400" eaLnBrk="1" latinLnBrk="0" hangingPunct="1">
+              <a:buFontTx/>
+              <a:buNone/>
+            </a:pPr>
+            <a:r>
+              <a:rPr sz="2000" b="1">
+                <a:solidFill>
+                  <a:srgbClr val="0611F2"/>
+                </a:solidFill>
+                <a:latin typeface="맑은 고딕" charset="0"/>
+                <a:ea typeface="맑은 고딕" charset="0"/>
+              </a:rPr>
+              <a:t>2</a:t>
+            </a:r>
+            <a:r>
+              <a:rPr sz="2000" b="1">
+                <a:solidFill>
+                  <a:srgbClr val="0611F2"/>
+                </a:solidFill>
+                <a:latin typeface="맑은 고딕" charset="0"/>
+                <a:ea typeface="맑은 고딕" charset="0"/>
+              </a:rPr>
+              <a:t>.</a:t>
+            </a:r>
+            <a:r>
+              <a:rPr sz="2000">
+                <a:latin typeface="맑은 고딕" charset="0"/>
+                <a:ea typeface="맑은 고딕" charset="0"/>
+              </a:rPr>
+              <a:t> </a:t>
+            </a:r>
+            <a:r>
+              <a:rPr sz="1800">
+                <a:latin typeface="맑은 고딕" charset="0"/>
+                <a:ea typeface="맑은 고딕" charset="0"/>
+              </a:rPr>
+              <a:t>이제 UI에서 Button - </a:t>
+            </a:r>
+            <a:r>
+              <a:rPr sz="1800">
+                <a:latin typeface="맑은 고딕" charset="0"/>
+                <a:ea typeface="맑은 고딕" charset="0"/>
+              </a:rPr>
+              <a:t>TextMeshPro</a:t>
+            </a:r>
+            <a:r>
+              <a:rPr sz="1800">
+                <a:latin typeface="맑은 고딕" charset="0"/>
+                <a:ea typeface="맑은 고딕" charset="0"/>
+              </a:rPr>
+              <a:t> </a:t>
+            </a:r>
+            <a:r>
+              <a:rPr sz="1800">
+                <a:latin typeface="맑은 고딕" charset="0"/>
+                <a:ea typeface="맑은 고딕" charset="0"/>
+              </a:rPr>
+              <a:t>오브</a:t>
+            </a:r>
+            <a:r>
+              <a:rPr sz="1800">
+                <a:latin typeface="맑은 고딕" charset="0"/>
+                <a:ea typeface="맑은 고딕" charset="0"/>
+              </a:rPr>
+              <a:t>젝트</a:t>
+            </a:r>
+            <a:r>
+              <a:rPr lang="ko-KR" sz="1800">
+                <a:latin typeface="맑은 고딕" charset="0"/>
+                <a:ea typeface="맑은 고딕" charset="0"/>
+              </a:rPr>
+              <a:t>를</a:t>
+            </a:r>
+            <a:r>
+              <a:rPr lang="ko-KR" sz="1800">
+                <a:latin typeface="맑은 고딕" charset="0"/>
+                <a:ea typeface="맑은 고딕" charset="0"/>
+              </a:rPr>
+              <a:t> </a:t>
+            </a:r>
+            <a:r>
+              <a:rPr lang="ko-KR" sz="1800">
+                <a:latin typeface="맑은 고딕" charset="0"/>
+                <a:ea typeface="맑은 고딕" charset="0"/>
+              </a:rPr>
+              <a:t>생성하고 Prefab </a:t>
+            </a:r>
+            <a:r>
+              <a:rPr lang="ko-KR" sz="1800">
+                <a:latin typeface="맑은 고딕" charset="0"/>
+                <a:ea typeface="맑은 고딕" charset="0"/>
+              </a:rPr>
+              <a:t>S</a:t>
+            </a:r>
+            <a:r>
+              <a:rPr lang="ko-KR" sz="1800">
+                <a:latin typeface="맑은 고딕" charset="0"/>
+                <a:ea typeface="맑은 고딕" charset="0"/>
+              </a:rPr>
+              <a:t>av</a:t>
+            </a:r>
+            <a:r>
+              <a:rPr lang="ko-KR" sz="1800">
+                <a:latin typeface="맑은 고딕" charset="0"/>
+                <a:ea typeface="맑은 고딕" charset="0"/>
+              </a:rPr>
+              <a:t>e</a:t>
+            </a:r>
+            <a:r>
+              <a:rPr lang="ko-KR" sz="1800">
+                <a:latin typeface="맑은 고딕" charset="0"/>
+                <a:ea typeface="맑은 고딕" charset="0"/>
+              </a:rPr>
+              <a:t> </a:t>
+            </a:r>
+            <a:r>
+              <a:rPr lang="ko-KR" sz="1800">
+                <a:latin typeface="맑은 고딕" charset="0"/>
+                <a:ea typeface="맑은 고딕" charset="0"/>
+              </a:rPr>
+              <a:t>Button이라는</a:t>
+            </a:r>
+            <a:r>
+              <a:rPr lang="ko-KR" sz="1800">
+                <a:latin typeface="맑은 고딕" charset="0"/>
+                <a:ea typeface="맑은 고딕" charset="0"/>
+              </a:rPr>
+              <a:t> 이름으로 </a:t>
+            </a:r>
+            <a:r>
+              <a:rPr lang="ko-KR" sz="1800">
+                <a:latin typeface="맑은 고딕" charset="0"/>
+                <a:ea typeface="맑은 고딕" charset="0"/>
+              </a:rPr>
+              <a:t>정의합니</a:t>
+            </a:r>
+            <a:r>
+              <a:rPr lang="ko-KR" sz="1800">
+                <a:latin typeface="맑은 고딕" charset="0"/>
+                <a:ea typeface="맑은 고딕" charset="0"/>
+              </a:rPr>
+              <a:t>다.</a:t>
             </a:r>
             <a:endParaRPr lang="ko-KR" altLang="en-US" sz="1800">
               <a:latin typeface="맑은 고딕" charset="0"/>
               <a:ea typeface="맑은 고딕" charset="0"/>
             </a:endParaRPr>
           </a:p>
-          <a:p>
-            <a:pPr marL="0" indent="0" algn="l" latinLnBrk="0" hangingPunct="1">
-              <a:buFontTx/>
-              <a:buNone/>
-            </a:pPr>
-            <a:endParaRPr lang="ko-KR" altLang="en-US" sz="1800">
-              <a:latin typeface="맑은 고딕" charset="0"/>
-              <a:ea typeface="맑은 고딕" charset="0"/>
-            </a:endParaRPr>
-          </a:p>
-          <a:p>
-            <a:pPr marL="0" indent="0" algn="l" latinLnBrk="0" hangingPunct="1">
-              <a:buFontTx/>
-              <a:buNone/>
-            </a:pPr>
-            <a:r>
-              <a:rPr lang="ko-KR" sz="1800">
-                <a:latin typeface="맑은 고딕" charset="0"/>
-                <a:ea typeface="맑은 고딕" charset="0"/>
-              </a:rPr>
-              <a:t>그러므로 하나의 게임 오브젝트를 변경하게 되면 참조되어 있는 게임 오브젝트가 전체적으로 영향을 받게 됩니다.</a:t>
-            </a:r>
-            <a:endParaRPr lang="ko-KR" altLang="en-US" sz="1800">
-              <a:latin typeface="맑은 고딕" charset="0"/>
-              <a:ea typeface="맑은 고딕" charset="0"/>
-            </a:endParaRPr>
-          </a:p>
-        </p:txBody>
-      </p:sp>
-      <p:sp>
-        <p:nvSpPr>
-          <p:cNvPr id="1039" name="텍스트 상자 1"/>
+        </p:txBody>
+      </p:sp>
+      <p:pic>
+        <p:nvPicPr>
+          <p:cNvPr id="1057" name="그림 24" descr="C:/Users/Admin1/AppData/Roaming/PolarisOffice/ETemp/20164_10016072/fImage223991406334.png"/>
+          <p:cNvPicPr>
+            <a:picLocks noChangeAspect="1"/>
+          </p:cNvPicPr>
+          <p:nvPr/>
+        </p:nvPicPr>
+        <p:blipFill rotWithShape="1">
+          <a:blip r:embed="rId14" cstate="print">
+            <a:extLst>
+              <a:ext uri="{28A0092B-C50C-407E-A947-70E740481C1C}">
+                <a14:useLocalDpi xmlns:a14="http://schemas.microsoft.com/office/drawing/2010/main" val="0"/>
+              </a:ext>
+            </a:extLst>
+          </a:blip>
+          <a:stretch>
+            <a:fillRect/>
+          </a:stretch>
+        </p:blipFill>
+        <p:spPr>
+          <a:xfrm rot="0">
+            <a:off x="6725285" y="1437005"/>
+            <a:ext cx="2753360" cy="3582670"/>
+          </a:xfrm>
+          <a:prstGeom prst="roundRect"/>
+          <a:solidFill>
+            <a:srgbClr val="EDEDED"/>
+          </a:solidFill>
+        </p:spPr>
+      </p:pic>
+      <p:pic>
+        <p:nvPicPr>
+          <p:cNvPr id="1058" name="그림 25" descr="C:/Users/Admin1/AppData/Roaming/PolarisOffice/ETemp/20164_10016072/fImage63911416500.png"/>
+          <p:cNvPicPr>
+            <a:picLocks noChangeAspect="1"/>
+          </p:cNvPicPr>
+          <p:nvPr/>
+        </p:nvPicPr>
+        <p:blipFill rotWithShape="1">
+          <a:blip r:embed="rId15" cstate="print">
+            <a:extLst>
+              <a:ext uri="{28A0092B-C50C-407E-A947-70E740481C1C}">
+                <a14:useLocalDpi xmlns:a14="http://schemas.microsoft.com/office/drawing/2010/main" val="0"/>
+              </a:ext>
+            </a:extLst>
+          </a:blip>
+          <a:stretch>
+            <a:fillRect/>
+          </a:stretch>
+        </p:blipFill>
+        <p:spPr>
+          <a:xfrm rot="0">
+            <a:off x="9596755" y="2356485"/>
+            <a:ext cx="1357630" cy="1754505"/>
+          </a:xfrm>
+          <a:prstGeom prst="roundRect"/>
+          <a:solidFill>
+            <a:srgbClr val="EDEDED"/>
+          </a:solidFill>
+        </p:spPr>
+      </p:pic>
+    </p:spTree>
+  </p:cSld>
+  <p:clrMapOvr>
+    <a:masterClrMapping/>
+  </p:clrMapOvr>
+  <mc:AlternateContent xmlns:mc="http://schemas.openxmlformats.org/markup-compatibility/2006">
+    <mc:Choice xmlns:p14="http://schemas.microsoft.com/office/powerpoint/2010/main" Requires="p14">
+      <p:transition spd="slow" p14:dur="2000"/>
+    </mc:Choice>
+    <mc:Fallback>
+      <p:transition spd="slow"/>
+    </mc:Fallback>
+  </mc:AlternateContent>
+  <p:timing>
+    <p:tnLst>
+      <p:par>
+        <p:cTn id="1" dur="indefinite" restart="never" nodeType="tmRoot"/>
+      </p:par>
+    </p:tnLst>
+  </p:timing>
+</p:sld>
+</file>
+
+<file path=ppt/slides/slide3.xml><?xml version="1.0" encoding="utf-8"?>
+<p:sld xmlns:a="http://schemas.openxmlformats.org/drawingml/2006/main" xmlns:r="http://schemas.openxmlformats.org/officeDocument/2006/relationships" xmlns:p="http://schemas.openxmlformats.org/presentationml/2006/main">
+  <p:cSld>
+    <p:spTree>
+      <p:nvGrpSpPr>
+        <p:cNvPr id="1" name=""/>
+        <p:cNvGrpSpPr/>
+        <p:nvPr/>
+      </p:nvGrpSpPr>
+      <p:grpSpPr>
+        <a:xfrm>
+          <a:off x="0" y="0"/>
+          <a:ext cx="0" cy="0"/>
+          <a:chOff x="0" y="0"/>
+          <a:chExt cx="0" cy="0"/>
+        </a:xfrm>
+      </p:grpSpPr>
+      <p:sp>
+        <p:nvSpPr>
+          <p:cNvPr id="1031" name="Rect 0"/>
           <p:cNvSpPr txBox="1">
             <a:spLocks/>
           </p:cNvSpPr>
@@ -5686,8 +7165,8 @@
         </p:nvSpPr>
         <p:spPr>
           <a:xfrm rot="0">
-            <a:off x="1221105" y="5259070"/>
-            <a:ext cx="4139565" cy="923925"/>
+            <a:off x="4316095" y="452755"/>
+            <a:ext cx="3549015" cy="478155"/>
           </a:xfrm>
           <a:prstGeom prst="rect"/>
           <a:noFill/>
@@ -5702,34 +7181,70 @@
           </a:bodyPr>
           <a:lstStyle/>
           <a:p>
-            <a:pPr marL="0" indent="0" algn="l" latinLnBrk="0" hangingPunct="1">
-              <a:buFontTx/>
-              <a:buNone/>
-            </a:pPr>
-            <a:r>
-              <a:rPr lang="ko-KR" sz="1800">
-                <a:latin typeface="맑은 고딕" charset="0"/>
-                <a:ea typeface="맑은 고딕" charset="0"/>
-              </a:rPr>
-              <a:t>프리팹의 경우 Asset 폴더의 데이터로 존재하며, 실행 시간에 프리팹을 생성할 수 있습니다.</a:t>
-            </a:r>
-            <a:endParaRPr lang="ko-KR" altLang="en-US" sz="1800">
-              <a:latin typeface="맑은 고딕" charset="0"/>
-              <a:ea typeface="맑은 고딕" charset="0"/>
+            <a:pPr marL="0" indent="0" algn="ctr" latinLnBrk="0">
+              <a:buFontTx/>
+              <a:buNone/>
+            </a:pPr>
+            <a:r>
+              <a:rPr lang="ko-KR" altLang="en-US" sz="2500" b="1">
+                <a:solidFill>
+                  <a:schemeClr val="tx1"/>
+                </a:solidFill>
+                <a:latin typeface="나눔바른고딕" charset="0"/>
+                <a:ea typeface="나눔바른고딕" charset="0"/>
+              </a:rPr>
+              <a:t>두</a:t>
+            </a:r>
+            <a:r>
+              <a:rPr lang="ko-KR" altLang="en-US" sz="2500" b="1">
+                <a:solidFill>
+                  <a:schemeClr val="tx1"/>
+                </a:solidFill>
+                <a:latin typeface="나눔바른고딕" charset="0"/>
+                <a:ea typeface="나눔바른고딕" charset="0"/>
+              </a:rPr>
+              <a:t> 번째 </a:t>
+            </a:r>
+            <a:r>
+              <a:rPr lang="ko-KR" altLang="en-US" sz="2500" b="1">
+                <a:solidFill>
+                  <a:schemeClr val="tx1"/>
+                </a:solidFill>
+                <a:latin typeface="나눔바른고딕" charset="0"/>
+                <a:ea typeface="나눔바른고딕" charset="0"/>
+              </a:rPr>
+              <a:t>튜토리</a:t>
+            </a:r>
+            <a:r>
+              <a:rPr lang="ko-KR" altLang="en-US" sz="2500" b="1">
+                <a:solidFill>
+                  <a:schemeClr val="tx1"/>
+                </a:solidFill>
+                <a:latin typeface="나눔바른고딕" charset="0"/>
+                <a:ea typeface="나눔바른고딕" charset="0"/>
+              </a:rPr>
+              <a:t>얼</a:t>
+            </a:r>
+            <a:endParaRPr lang="ko-KR" altLang="en-US" sz="2500" b="1">
+              <a:solidFill>
+                <a:schemeClr val="tx1"/>
+              </a:solidFill>
+              <a:latin typeface="나눔바른고딕" charset="0"/>
+              <a:ea typeface="나눔바른고딕" charset="0"/>
             </a:endParaRPr>
           </a:p>
         </p:txBody>
       </p:sp>
       <p:pic>
         <p:nvPicPr>
-          <p:cNvPr id="1051" name="그림 18"/>
+          <p:cNvPr id="1052" name="Picture " descr="C:/Users/Admin1/AppData/Roaming/PolarisOffice/ETemp/20164_10016072/fImage85061339169.png"/>
           <p:cNvPicPr>
             <a:picLocks noChangeAspect="1"/>
           </p:cNvPicPr>
           <p:nvPr/>
         </p:nvPicPr>
         <p:blipFill rotWithShape="1">
-          <a:blip r:embed="rId10" cstate="hqprint">
+          <a:blip r:embed="rId2" cstate="hqprint">
             <a:extLst>
               <a:ext uri="{28A0092B-C50C-407E-A947-70E740481C1C}">
                 <a14:useLocalDpi xmlns:a14="http://schemas.microsoft.com/office/drawing/2010/main"/>
@@ -5742,8 +7257,8 @@
         </p:blipFill>
         <p:spPr>
           <a:xfrm rot="0">
-            <a:off x="6823710" y="1497965"/>
-            <a:ext cx="4134485" cy="2468880"/>
+            <a:off x="6819900" y="1457325"/>
+            <a:ext cx="2343785" cy="3524885"/>
           </a:xfrm>
           <a:prstGeom prst="roundRect"/>
           <a:solidFill>
@@ -5751,16 +7266,442 @@
           </a:solidFill>
         </p:spPr>
       </p:pic>
+      <p:sp>
+        <p:nvSpPr>
+          <p:cNvPr id="1056" name="Rect 0"/>
+          <p:cNvSpPr txBox="1">
+            <a:spLocks/>
+          </p:cNvSpPr>
+          <p:nvPr/>
+        </p:nvSpPr>
+        <p:spPr>
+          <a:xfrm rot="0">
+            <a:off x="6826885" y="5222240"/>
+            <a:ext cx="4135755" cy="954405"/>
+          </a:xfrm>
+          <a:prstGeom prst="rect"/>
+          <a:noFill/>
+          <a:ln w="0">
+            <a:noFill/>
+            <a:prstDash/>
+          </a:ln>
+        </p:spPr>
+        <p:txBody>
+          <a:bodyPr wrap="square" lIns="89535" tIns="46355" rIns="89535" bIns="46355" numCol="1" vert="horz" anchor="t">
+            <a:spAutoFit/>
+          </a:bodyPr>
+          <a:lstStyle/>
+          <a:p>
+            <a:pPr marL="0" indent="0" rtl="0" algn="l" defTabSz="914400" eaLnBrk="1" latinLnBrk="0" hangingPunct="1">
+              <a:buFontTx/>
+              <a:buNone/>
+            </a:pPr>
+            <a:r>
+              <a:rPr lang="ko-KR" sz="2000" b="1">
+                <a:solidFill>
+                  <a:srgbClr val="0611F2"/>
+                </a:solidFill>
+                <a:latin typeface="맑은 고딕" charset="0"/>
+                <a:ea typeface="맑은 고딕" charset="0"/>
+              </a:rPr>
+              <a:t>5</a:t>
+            </a:r>
+            <a:r>
+              <a:rPr sz="2000" b="1">
+                <a:solidFill>
+                  <a:srgbClr val="0611F2"/>
+                </a:solidFill>
+                <a:latin typeface="맑은 고딕" charset="0"/>
+                <a:ea typeface="맑은 고딕" charset="0"/>
+              </a:rPr>
+              <a:t>.</a:t>
+            </a:r>
+            <a:r>
+              <a:rPr sz="2000">
+                <a:latin typeface="맑은 고딕" charset="0"/>
+                <a:ea typeface="맑은 고딕" charset="0"/>
+              </a:rPr>
+              <a:t> </a:t>
+            </a:r>
+            <a:r>
+              <a:rPr sz="1800">
+                <a:latin typeface="맑은 고딕" charset="0"/>
+                <a:ea typeface="맑은 고딕" charset="0"/>
+              </a:rPr>
+              <a:t>그다음으로 빈 게임 오브젝트를 </a:t>
+            </a:r>
+            <a:r>
+              <a:rPr sz="1800">
+                <a:latin typeface="맑은 고딕" charset="0"/>
+                <a:ea typeface="맑은 고딕" charset="0"/>
+              </a:rPr>
+              <a:t>생성하</a:t>
+            </a:r>
+            <a:r>
+              <a:rPr sz="1800">
+                <a:latin typeface="맑은 고딕" charset="0"/>
+                <a:ea typeface="맑은 고딕" charset="0"/>
+              </a:rPr>
+              <a:t>고</a:t>
+            </a:r>
+            <a:r>
+              <a:rPr sz="1800">
+                <a:latin typeface="맑은 고딕" charset="0"/>
+                <a:ea typeface="맑은 고딕" charset="0"/>
+              </a:rPr>
+              <a:t> </a:t>
+            </a:r>
+            <a:r>
+              <a:rPr sz="1800">
+                <a:latin typeface="맑은 고딕" charset="0"/>
+                <a:ea typeface="맑은 고딕" charset="0"/>
+              </a:rPr>
+              <a:t>Prefab</a:t>
+            </a:r>
+            <a:r>
+              <a:rPr sz="1800">
+                <a:latin typeface="맑은 고딕" charset="0"/>
+                <a:ea typeface="맑은 고딕" charset="0"/>
+              </a:rPr>
+              <a:t> </a:t>
+            </a:r>
+            <a:r>
+              <a:rPr sz="1800">
+                <a:latin typeface="맑은 고딕" charset="0"/>
+                <a:ea typeface="맑은 고딕" charset="0"/>
+              </a:rPr>
+              <a:t>Manager라는</a:t>
+            </a:r>
+            <a:r>
+              <a:rPr sz="1800">
+                <a:latin typeface="맑은 고딕" charset="0"/>
+                <a:ea typeface="맑은 고딕" charset="0"/>
+              </a:rPr>
+              <a:t> </a:t>
+            </a:r>
+            <a:r>
+              <a:rPr sz="1800">
+                <a:latin typeface="맑은 고딕" charset="0"/>
+                <a:ea typeface="맑은 고딕" charset="0"/>
+              </a:rPr>
+              <a:t>이름으</a:t>
+            </a:r>
+            <a:r>
+              <a:rPr lang="ko-KR" sz="1800">
+                <a:latin typeface="맑은 고딕" charset="0"/>
+                <a:ea typeface="맑은 고딕" charset="0"/>
+              </a:rPr>
+              <a:t>로</a:t>
+            </a:r>
+            <a:r>
+              <a:rPr lang="ko-KR" sz="1800">
+                <a:latin typeface="맑은 고딕" charset="0"/>
+                <a:ea typeface="맑은 고딕" charset="0"/>
+              </a:rPr>
+              <a:t> </a:t>
+            </a:r>
+            <a:r>
+              <a:rPr lang="ko-KR" sz="1800">
+                <a:latin typeface="맑은 고딕" charset="0"/>
+                <a:ea typeface="맑은 고딕" charset="0"/>
+              </a:rPr>
+              <a:t>정의합니다.</a:t>
+            </a:r>
+            <a:r>
+              <a:rPr sz="1800">
+                <a:latin typeface="맑은 고딕" charset="0"/>
+                <a:ea typeface="맑은 고딕" charset="0"/>
+              </a:rPr>
+              <a:t> </a:t>
+            </a:r>
+            <a:endParaRPr lang="ko-KR" altLang="en-US" sz="1800">
+              <a:latin typeface="맑은 고딕" charset="0"/>
+              <a:ea typeface="맑은 고딕" charset="0"/>
+            </a:endParaRPr>
+          </a:p>
+        </p:txBody>
+      </p:sp>
       <p:pic>
         <p:nvPicPr>
-          <p:cNvPr id="1052" name="그림 21"/>
+          <p:cNvPr id="1057" name="그림 28" descr="C:/Users/Admin1/AppData/Roaming/PolarisOffice/ETemp/20164_10016072/fImage119921425724.png"/>
           <p:cNvPicPr>
             <a:picLocks noChangeAspect="1"/>
           </p:cNvPicPr>
           <p:nvPr/>
         </p:nvPicPr>
         <p:blipFill rotWithShape="1">
-          <a:blip r:embed="rId11" cstate="hqprint">
+          <a:blip r:embed="rId3" cstate="print">
+            <a:extLst>
+              <a:ext uri="{28A0092B-C50C-407E-A947-70E740481C1C}">
+                <a14:useLocalDpi xmlns:a14="http://schemas.microsoft.com/office/drawing/2010/main" val="0"/>
+              </a:ext>
+            </a:extLst>
+          </a:blip>
+          <a:stretch>
+            <a:fillRect/>
+          </a:stretch>
+        </p:blipFill>
+        <p:spPr>
+          <a:xfrm rot="0">
+            <a:off x="1238250" y="1457325"/>
+            <a:ext cx="4134485" cy="1343660"/>
+          </a:xfrm>
+          <a:prstGeom prst="roundRect"/>
+          <a:solidFill>
+            <a:srgbClr val="EDEDED"/>
+          </a:solidFill>
+        </p:spPr>
+      </p:pic>
+      <p:sp>
+        <p:nvSpPr>
+          <p:cNvPr id="1058" name="텍스트 상자 31"/>
+          <p:cNvSpPr txBox="1">
+            <a:spLocks/>
+          </p:cNvSpPr>
+          <p:nvPr/>
+        </p:nvSpPr>
+        <p:spPr>
+          <a:xfrm rot="0">
+            <a:off x="1249045" y="5220335"/>
+            <a:ext cx="4123690" cy="954405"/>
+          </a:xfrm>
+          <a:prstGeom prst="rect"/>
+          <a:noFill/>
+          <a:ln w="0">
+            <a:noFill/>
+            <a:prstDash/>
+          </a:ln>
+        </p:spPr>
+        <p:txBody>
+          <a:bodyPr wrap="square" lIns="89535" tIns="46355" rIns="89535" bIns="46355" numCol="1" vert="horz" anchor="t">
+            <a:spAutoFit/>
+          </a:bodyPr>
+          <a:lstStyle/>
+          <a:p>
+            <a:pPr marL="0" indent="0" rtl="0" algn="l" defTabSz="914400" eaLnBrk="1" latinLnBrk="0" hangingPunct="1">
+              <a:buFontTx/>
+              <a:buNone/>
+            </a:pPr>
+            <a:r>
+              <a:rPr sz="2000" b="1">
+                <a:solidFill>
+                  <a:srgbClr val="0611F2"/>
+                </a:solidFill>
+                <a:latin typeface="맑은 고딕" charset="0"/>
+                <a:ea typeface="맑은 고딕" charset="0"/>
+              </a:rPr>
+              <a:t>4</a:t>
+            </a:r>
+            <a:r>
+              <a:rPr sz="2000" b="1">
+                <a:solidFill>
+                  <a:srgbClr val="0611F2"/>
+                </a:solidFill>
+                <a:latin typeface="맑은 고딕" charset="0"/>
+                <a:ea typeface="맑은 고딕" charset="0"/>
+              </a:rPr>
+              <a:t>.</a:t>
+            </a:r>
+            <a:r>
+              <a:rPr sz="2000">
+                <a:latin typeface="맑은 고딕" charset="0"/>
+                <a:ea typeface="맑은 고딕" charset="0"/>
+              </a:rPr>
+              <a:t> </a:t>
+            </a:r>
+            <a:r>
+              <a:rPr sz="1800">
+                <a:latin typeface="맑은 고딕" charset="0"/>
+                <a:ea typeface="맑은 고딕" charset="0"/>
+              </a:rPr>
+              <a:t>그런 다음 UnPack Prefab Button </a:t>
+            </a:r>
+            <a:r>
+              <a:rPr sz="1800">
+                <a:latin typeface="맑은 고딕" charset="0"/>
+                <a:ea typeface="맑은 고딕" charset="0"/>
+              </a:rPr>
+              <a:t>오브젝트</a:t>
+            </a:r>
+            <a:r>
+              <a:rPr sz="1800">
+                <a:latin typeface="맑은 고딕" charset="0"/>
+                <a:ea typeface="맑은 고딕" charset="0"/>
+              </a:rPr>
+              <a:t>의</a:t>
+            </a:r>
+            <a:r>
+              <a:rPr sz="1800">
+                <a:latin typeface="맑은 고딕" charset="0"/>
+                <a:ea typeface="맑은 고딕" charset="0"/>
+              </a:rPr>
+              <a:t> </a:t>
+            </a:r>
+            <a:r>
+              <a:rPr sz="1800">
+                <a:latin typeface="맑은 고딕" charset="0"/>
+                <a:ea typeface="맑은 고딕" charset="0"/>
+              </a:rPr>
+              <a:t>On Click( ) 함수를 </a:t>
+            </a:r>
+            <a:r>
+              <a:rPr sz="1800">
+                <a:latin typeface="맑은 고딕" charset="0"/>
+                <a:ea typeface="맑은 고딕" charset="0"/>
+              </a:rPr>
+              <a:t>추가합니</a:t>
+            </a:r>
+            <a:r>
+              <a:rPr lang="ko-KR" sz="1800">
+                <a:latin typeface="맑은 고딕" charset="0"/>
+                <a:ea typeface="맑은 고딕" charset="0"/>
+              </a:rPr>
+              <a:t>다.</a:t>
+            </a:r>
+            <a:endParaRPr lang="ko-KR" altLang="en-US" sz="1800">
+              <a:latin typeface="맑은 고딕" charset="0"/>
+              <a:ea typeface="맑은 고딕" charset="0"/>
+            </a:endParaRPr>
+          </a:p>
+        </p:txBody>
+      </p:sp>
+      <p:sp>
+        <p:nvSpPr>
+          <p:cNvPr id="1059" name="텍스트 상자 32"/>
+          <p:cNvSpPr txBox="1">
+            <a:spLocks/>
+          </p:cNvSpPr>
+          <p:nvPr/>
+        </p:nvSpPr>
+        <p:spPr>
+          <a:xfrm rot="0">
+            <a:off x="1235075" y="2893695"/>
+            <a:ext cx="4142740" cy="954405"/>
+          </a:xfrm>
+          <a:prstGeom prst="rect"/>
+          <a:noFill/>
+          <a:ln w="0">
+            <a:noFill/>
+            <a:prstDash/>
+          </a:ln>
+        </p:spPr>
+        <p:txBody>
+          <a:bodyPr wrap="square" lIns="89535" tIns="46355" rIns="89535" bIns="46355" numCol="1" vert="horz" anchor="t">
+            <a:spAutoFit/>
+          </a:bodyPr>
+          <a:lstStyle/>
+          <a:p>
+            <a:pPr marL="0" indent="0" rtl="0" algn="l" defTabSz="914400" eaLnBrk="1" latinLnBrk="0" hangingPunct="1">
+              <a:buFontTx/>
+              <a:buNone/>
+            </a:pPr>
+            <a:r>
+              <a:rPr sz="2000" b="1">
+                <a:solidFill>
+                  <a:srgbClr val="0611F2"/>
+                </a:solidFill>
+                <a:latin typeface="맑은 고딕" charset="0"/>
+                <a:ea typeface="맑은 고딕" charset="0"/>
+              </a:rPr>
+              <a:t>3</a:t>
+            </a:r>
+            <a:r>
+              <a:rPr sz="2000" b="1">
+                <a:solidFill>
+                  <a:srgbClr val="0611F2"/>
+                </a:solidFill>
+                <a:latin typeface="맑은 고딕" charset="0"/>
+                <a:ea typeface="맑은 고딕" charset="0"/>
+              </a:rPr>
+              <a:t>.</a:t>
+            </a:r>
+            <a:r>
+              <a:rPr sz="2000">
+                <a:latin typeface="맑은 고딕" charset="0"/>
+                <a:ea typeface="맑은 고딕" charset="0"/>
+              </a:rPr>
+              <a:t> </a:t>
+            </a:r>
+            <a:r>
+              <a:rPr sz="1800">
+                <a:latin typeface="맑은 고딕" charset="0"/>
+                <a:ea typeface="맑은 고딕" charset="0"/>
+              </a:rPr>
+              <a:t>그리고 UnPack Prefab Button </a:t>
+            </a:r>
+            <a:r>
+              <a:rPr sz="1800">
+                <a:latin typeface="맑은 고딕" charset="0"/>
+                <a:ea typeface="맑은 고딕" charset="0"/>
+              </a:rPr>
+              <a:t>오브젝트</a:t>
+            </a:r>
+            <a:r>
+              <a:rPr sz="1800">
+                <a:latin typeface="맑은 고딕" charset="0"/>
+                <a:ea typeface="맑은 고딕" charset="0"/>
+              </a:rPr>
+              <a:t>의</a:t>
+            </a:r>
+            <a:r>
+              <a:rPr sz="1800">
+                <a:latin typeface="맑은 고딕" charset="0"/>
+                <a:ea typeface="맑은 고딕" charset="0"/>
+              </a:rPr>
+              <a:t> </a:t>
+            </a:r>
+            <a:r>
+              <a:rPr sz="1800">
+                <a:latin typeface="맑은 고딕" charset="0"/>
+                <a:ea typeface="맑은 고딕" charset="0"/>
+              </a:rPr>
+              <a:t>앵커를 지정하고 위치와 </a:t>
+            </a:r>
+            <a:r>
+              <a:rPr sz="1800">
+                <a:latin typeface="맑은 고딕" charset="0"/>
+                <a:ea typeface="맑은 고딕" charset="0"/>
+              </a:rPr>
+              <a:t>크기</a:t>
+            </a:r>
+            <a:r>
+              <a:rPr lang="ko-KR" sz="1800">
+                <a:latin typeface="맑은 고딕" charset="0"/>
+                <a:ea typeface="맑은 고딕" charset="0"/>
+              </a:rPr>
+              <a:t>를</a:t>
+            </a:r>
+            <a:r>
+              <a:rPr lang="ko-KR" sz="1800">
+                <a:latin typeface="맑은 고딕" charset="0"/>
+                <a:ea typeface="맑은 고딕" charset="0"/>
+              </a:rPr>
+              <a:t> </a:t>
+            </a:r>
+            <a:r>
+              <a:rPr lang="ko-KR" sz="1800">
+                <a:latin typeface="맑은 고딕" charset="0"/>
+                <a:ea typeface="맑은 고딕" charset="0"/>
+              </a:rPr>
+              <a:t>설정합니다.</a:t>
+            </a:r>
+            <a:endParaRPr lang="ko-KR" altLang="en-US" sz="1800">
+              <a:latin typeface="맑은 고딕" charset="0"/>
+              <a:ea typeface="맑은 고딕" charset="0"/>
+            </a:endParaRPr>
+          </a:p>
+        </p:txBody>
+      </p:sp>
+      <p:pic>
+        <p:nvPicPr>
+          <p:cNvPr id="1060" name="그림 35" descr="C:/Users/Admin1/AppData/Roaming/PolarisOffice/ETemp/20164_10016072/fImage30171481478.png"/>
+          <p:cNvPicPr>
+            <a:picLocks noChangeAspect="1"/>
+          </p:cNvPicPr>
+          <p:nvPr/>
+        </p:nvPicPr>
+        <p:blipFill rotWithShape="1">
+          <a:blip r:embed="rId4" cstate="hqprint">
             <a:extLst>
               <a:ext uri="{28A0092B-C50C-407E-A947-70E740481C1C}">
                 <a14:useLocalDpi xmlns:a14="http://schemas.microsoft.com/office/drawing/2010/main"/>
@@ -5773,8 +7714,8 @@
         </p:blipFill>
         <p:spPr>
           <a:xfrm rot="0">
-            <a:off x="1230630" y="2552700"/>
-            <a:ext cx="4142105" cy="2578735"/>
+            <a:off x="2714625" y="3981450"/>
+            <a:ext cx="2661285" cy="1136650"/>
           </a:xfrm>
           <a:prstGeom prst="roundRect"/>
           <a:solidFill>
@@ -5782,6 +7723,847 @@
           </a:solidFill>
         </p:spPr>
       </p:pic>
+      <p:pic>
+        <p:nvPicPr>
+          <p:cNvPr id="1061" name="그림 36" descr="C:/Users/Admin1/AppData/Roaming/PolarisOffice/ETemp/20164_10016072/fImage62901499358.png"/>
+          <p:cNvPicPr>
+            <a:picLocks noChangeAspect="1"/>
+          </p:cNvPicPr>
+          <p:nvPr/>
+        </p:nvPicPr>
+        <p:blipFill rotWithShape="1">
+          <a:blip r:embed="rId5" cstate="print">
+            <a:extLst>
+              <a:ext uri="{28A0092B-C50C-407E-A947-70E740481C1C}">
+                <a14:useLocalDpi xmlns:a14="http://schemas.microsoft.com/office/drawing/2010/main" val="0"/>
+              </a:ext>
+            </a:extLst>
+          </a:blip>
+          <a:stretch>
+            <a:fillRect/>
+          </a:stretch>
+        </p:blipFill>
+        <p:spPr>
+          <a:xfrm rot="0">
+            <a:off x="1238250" y="3985260"/>
+            <a:ext cx="1372235" cy="1132205"/>
+          </a:xfrm>
+          <a:prstGeom prst="roundRect"/>
+          <a:solidFill>
+            <a:srgbClr val="EDEDED"/>
+          </a:solidFill>
+        </p:spPr>
+      </p:pic>
+      <p:pic>
+        <p:nvPicPr>
+          <p:cNvPr id="1062" name="그림 39" descr="C:/Users/Admin1/AppData/Roaming/PolarisOffice/ETemp/20164_10016072/fImage69871506962.png"/>
+          <p:cNvPicPr>
+            <a:picLocks noChangeAspect="1"/>
+          </p:cNvPicPr>
+          <p:nvPr/>
+        </p:nvPicPr>
+        <p:blipFill rotWithShape="1">
+          <a:blip r:embed="rId6" cstate="print">
+            <a:extLst>
+              <a:ext uri="{28A0092B-C50C-407E-A947-70E740481C1C}">
+                <a14:useLocalDpi xmlns:a14="http://schemas.microsoft.com/office/drawing/2010/main" val="0"/>
+              </a:ext>
+            </a:extLst>
+          </a:blip>
+          <a:stretch>
+            <a:fillRect/>
+          </a:stretch>
+        </p:blipFill>
+        <p:spPr>
+          <a:xfrm rot="0">
+            <a:off x="9296400" y="2314575"/>
+            <a:ext cx="1657985" cy="1829435"/>
+          </a:xfrm>
+          <a:prstGeom prst="roundRect"/>
+          <a:solidFill>
+            <a:srgbClr val="EDEDED"/>
+          </a:solidFill>
+        </p:spPr>
+      </p:pic>
+    </p:spTree>
+  </p:cSld>
+  <p:clrMapOvr>
+    <a:masterClrMapping/>
+  </p:clrMapOvr>
+  <mc:AlternateContent xmlns:mc="http://schemas.openxmlformats.org/markup-compatibility/2006">
+    <mc:Choice xmlns:p14="http://schemas.microsoft.com/office/powerpoint/2010/main" Requires="p14">
+      <p:transition spd="slow" p14:dur="2000"/>
+    </mc:Choice>
+    <mc:Fallback>
+      <p:transition spd="slow"/>
+    </mc:Fallback>
+  </mc:AlternateContent>
+  <p:timing>
+    <p:tnLst>
+      <p:par>
+        <p:cTn id="1" dur="indefinite" restart="never" nodeType="tmRoot"/>
+      </p:par>
+    </p:tnLst>
+  </p:timing>
+</p:sld>
+</file>
+
+<file path=ppt/slides/slide4.xml><?xml version="1.0" encoding="utf-8"?>
+<p:sld xmlns:a="http://schemas.openxmlformats.org/drawingml/2006/main" xmlns:r="http://schemas.openxmlformats.org/officeDocument/2006/relationships" xmlns:p="http://schemas.openxmlformats.org/presentationml/2006/main">
+  <p:cSld>
+    <p:spTree>
+      <p:nvGrpSpPr>
+        <p:cNvPr id="1" name=""/>
+        <p:cNvGrpSpPr/>
+        <p:nvPr/>
+      </p:nvGrpSpPr>
+      <p:grpSpPr>
+        <a:xfrm>
+          <a:off x="0" y="0"/>
+          <a:ext cx="0" cy="0"/>
+          <a:chOff x="0" y="0"/>
+          <a:chExt cx="0" cy="0"/>
+        </a:xfrm>
+      </p:grpSpPr>
+      <p:sp>
+        <p:nvSpPr>
+          <p:cNvPr id="1031" name="Rect 0"/>
+          <p:cNvSpPr txBox="1">
+            <a:spLocks/>
+          </p:cNvSpPr>
+          <p:nvPr/>
+        </p:nvSpPr>
+        <p:spPr>
+          <a:xfrm rot="0">
+            <a:off x="4316095" y="452755"/>
+            <a:ext cx="3549015" cy="478155"/>
+          </a:xfrm>
+          <a:prstGeom prst="rect"/>
+          <a:noFill/>
+          <a:ln w="0">
+            <a:noFill/>
+            <a:prstDash/>
+          </a:ln>
+        </p:spPr>
+        <p:txBody>
+          <a:bodyPr wrap="square" lIns="89535" tIns="46355" rIns="89535" bIns="46355" numCol="1" vert="horz" anchor="t">
+            <a:spAutoFit/>
+          </a:bodyPr>
+          <a:lstStyle/>
+          <a:p>
+            <a:pPr marL="0" indent="0" algn="ctr" latinLnBrk="0">
+              <a:buFontTx/>
+              <a:buNone/>
+            </a:pPr>
+            <a:r>
+              <a:rPr lang="ko-KR" altLang="en-US" sz="2500" b="1">
+                <a:solidFill>
+                  <a:schemeClr val="tx1"/>
+                </a:solidFill>
+                <a:latin typeface="나눔바른고딕" charset="0"/>
+                <a:ea typeface="나눔바른고딕" charset="0"/>
+              </a:rPr>
+              <a:t>세</a:t>
+            </a:r>
+            <a:r>
+              <a:rPr lang="ko-KR" altLang="en-US" sz="2500" b="1">
+                <a:solidFill>
+                  <a:schemeClr val="tx1"/>
+                </a:solidFill>
+                <a:latin typeface="나눔바른고딕" charset="0"/>
+                <a:ea typeface="나눔바른고딕" charset="0"/>
+              </a:rPr>
+              <a:t> 번째 </a:t>
+            </a:r>
+            <a:r>
+              <a:rPr lang="ko-KR" altLang="en-US" sz="2500" b="1">
+                <a:solidFill>
+                  <a:schemeClr val="tx1"/>
+                </a:solidFill>
+                <a:latin typeface="나눔바른고딕" charset="0"/>
+                <a:ea typeface="나눔바른고딕" charset="0"/>
+              </a:rPr>
+              <a:t>튜토리</a:t>
+            </a:r>
+            <a:r>
+              <a:rPr lang="ko-KR" altLang="en-US" sz="2500" b="1">
+                <a:solidFill>
+                  <a:schemeClr val="tx1"/>
+                </a:solidFill>
+                <a:latin typeface="나눔바른고딕" charset="0"/>
+                <a:ea typeface="나눔바른고딕" charset="0"/>
+              </a:rPr>
+              <a:t>얼</a:t>
+            </a:r>
+            <a:endParaRPr lang="ko-KR" altLang="en-US" sz="2500" b="1">
+              <a:solidFill>
+                <a:schemeClr val="tx1"/>
+              </a:solidFill>
+              <a:latin typeface="나눔바른고딕" charset="0"/>
+              <a:ea typeface="나눔바른고딕" charset="0"/>
+            </a:endParaRPr>
+          </a:p>
+        </p:txBody>
+      </p:sp>
+      <p:sp>
+        <p:nvSpPr>
+          <p:cNvPr id="1056" name="Rect 0"/>
+          <p:cNvSpPr txBox="1">
+            <a:spLocks/>
+          </p:cNvSpPr>
+          <p:nvPr/>
+        </p:nvSpPr>
+        <p:spPr>
+          <a:xfrm rot="0">
+            <a:off x="6827520" y="4177030"/>
+            <a:ext cx="4135755" cy="2061845"/>
+          </a:xfrm>
+          <a:prstGeom prst="rect"/>
+          <a:noFill/>
+          <a:ln w="0">
+            <a:noFill/>
+            <a:prstDash/>
+          </a:ln>
+        </p:spPr>
+        <p:txBody>
+          <a:bodyPr wrap="square" lIns="89535" tIns="46355" rIns="89535" bIns="46355" numCol="1" vert="horz" anchor="t">
+            <a:spAutoFit/>
+          </a:bodyPr>
+          <a:lstStyle/>
+          <a:p>
+            <a:pPr marL="0" indent="0" rtl="0" algn="l" defTabSz="914400" eaLnBrk="1" latinLnBrk="0" hangingPunct="1">
+              <a:buFontTx/>
+              <a:buNone/>
+            </a:pPr>
+            <a:r>
+              <a:rPr lang="ko-KR" sz="2000" b="1">
+                <a:solidFill>
+                  <a:srgbClr val="0611F2"/>
+                </a:solidFill>
+                <a:latin typeface="맑은 고딕" charset="0"/>
+                <a:ea typeface="맑은 고딕" charset="0"/>
+              </a:rPr>
+              <a:t>8</a:t>
+            </a:r>
+            <a:r>
+              <a:rPr sz="2000" b="1">
+                <a:solidFill>
+                  <a:srgbClr val="0611F2"/>
+                </a:solidFill>
+                <a:latin typeface="맑은 고딕" charset="0"/>
+                <a:ea typeface="맑은 고딕" charset="0"/>
+              </a:rPr>
+              <a:t>.</a:t>
+            </a:r>
+            <a:r>
+              <a:rPr sz="2000">
+                <a:latin typeface="맑은 고딕" charset="0"/>
+                <a:ea typeface="맑은 고딕" charset="0"/>
+              </a:rPr>
+              <a:t> </a:t>
+            </a:r>
+            <a:r>
+              <a:rPr sz="1800">
+                <a:latin typeface="맑은 고딕" charset="0"/>
+                <a:ea typeface="맑은 고딕" charset="0"/>
+              </a:rPr>
+              <a:t>그리고 Project 폴더 아래에 있는 </a:t>
+            </a:r>
+            <a:r>
+              <a:rPr sz="1800">
+                <a:latin typeface="맑은 고딕" charset="0"/>
+                <a:ea typeface="맑은 고딕" charset="0"/>
+              </a:rPr>
+              <a:t>Text</a:t>
+            </a:r>
+            <a:r>
+              <a:rPr sz="1800">
+                <a:latin typeface="맑은 고딕" charset="0"/>
+                <a:ea typeface="맑은 고딕" charset="0"/>
+              </a:rPr>
+              <a:t>u</a:t>
+            </a:r>
+            <a:r>
+              <a:rPr sz="1800">
+                <a:latin typeface="맑은 고딕" charset="0"/>
+                <a:ea typeface="맑은 고딕" charset="0"/>
+              </a:rPr>
+              <a:t>re</a:t>
+            </a:r>
+            <a:r>
+              <a:rPr sz="1800">
+                <a:latin typeface="맑은 고딕" charset="0"/>
+                <a:ea typeface="맑은 고딕" charset="0"/>
+              </a:rPr>
+              <a:t> 폴더에 UnPack Button </a:t>
+            </a:r>
+            <a:r>
+              <a:rPr sz="1800">
+                <a:latin typeface="맑은 고딕" charset="0"/>
+                <a:ea typeface="맑은 고딕" charset="0"/>
+              </a:rPr>
+              <a:t>텍스처</a:t>
+            </a:r>
+            <a:r>
+              <a:rPr lang="ko-KR" sz="1800">
+                <a:latin typeface="맑은 고딕" charset="0"/>
+                <a:ea typeface="맑은 고딕" charset="0"/>
+              </a:rPr>
+              <a:t>를</a:t>
+            </a:r>
+            <a:r>
+              <a:rPr lang="ko-KR" sz="1800">
+                <a:latin typeface="맑은 고딕" charset="0"/>
+                <a:ea typeface="맑은 고딕" charset="0"/>
+              </a:rPr>
+              <a:t> </a:t>
+            </a:r>
+            <a:r>
+              <a:rPr lang="ko-KR" sz="1800">
+                <a:latin typeface="맑은 고딕" charset="0"/>
+                <a:ea typeface="맑은 고딕" charset="0"/>
+              </a:rPr>
+              <a:t>선택합니다.</a:t>
+            </a:r>
+            <a:endParaRPr lang="ko-KR" altLang="en-US" sz="1800">
+              <a:latin typeface="맑은 고딕" charset="0"/>
+              <a:ea typeface="맑은 고딕" charset="0"/>
+            </a:endParaRPr>
+          </a:p>
+          <a:p>
+            <a:pPr marL="0" indent="0" rtl="0" algn="l" defTabSz="914400" eaLnBrk="1" latinLnBrk="0" hangingPunct="1">
+              <a:buFontTx/>
+              <a:buNone/>
+            </a:pPr>
+            <a:endParaRPr lang="ko-KR" altLang="en-US" sz="1800">
+              <a:latin typeface="맑은 고딕" charset="0"/>
+              <a:ea typeface="맑은 고딕" charset="0"/>
+            </a:endParaRPr>
+          </a:p>
+          <a:p>
+            <a:pPr marL="0" indent="0" rtl="0" algn="l" defTabSz="914400" eaLnBrk="1" latinLnBrk="0" hangingPunct="1">
+              <a:buFontTx/>
+              <a:buNone/>
+            </a:pPr>
+            <a:r>
+              <a:rPr lang="ko-KR" sz="1800">
+                <a:latin typeface="맑은 고딕" charset="0"/>
+                <a:ea typeface="맑은 고딕" charset="0"/>
+              </a:rPr>
+              <a:t>그</a:t>
+            </a:r>
+            <a:r>
+              <a:rPr lang="ko-KR" sz="1800">
+                <a:latin typeface="맑은 고딕" charset="0"/>
+                <a:ea typeface="맑은 고딕" charset="0"/>
+              </a:rPr>
+              <a:t>런</a:t>
+            </a:r>
+            <a:r>
+              <a:rPr lang="ko-KR" sz="1800">
+                <a:latin typeface="맑은 고딕" charset="0"/>
+                <a:ea typeface="맑은 고딕" charset="0"/>
+              </a:rPr>
+              <a:t>다음</a:t>
+            </a:r>
+            <a:r>
+              <a:rPr lang="ko-KR" sz="1800">
+                <a:latin typeface="맑은 고딕" charset="0"/>
+                <a:ea typeface="맑은 고딕" charset="0"/>
+              </a:rPr>
+              <a:t> </a:t>
+            </a:r>
+            <a:r>
+              <a:rPr lang="ko-KR" sz="1800">
+                <a:latin typeface="맑은 고딕" charset="0"/>
+                <a:ea typeface="맑은 고딕" charset="0"/>
+              </a:rPr>
+              <a:t>UnPack Prefab Button </a:t>
+            </a:r>
+            <a:r>
+              <a:rPr lang="ko-KR" sz="1800">
+                <a:latin typeface="맑은 고딕" charset="0"/>
+                <a:ea typeface="맑은 고딕" charset="0"/>
+              </a:rPr>
+              <a:t>오브</a:t>
+            </a:r>
+            <a:r>
+              <a:rPr lang="ko-KR" sz="1800">
+                <a:latin typeface="맑은 고딕" charset="0"/>
+                <a:ea typeface="맑은 고딕" charset="0"/>
+              </a:rPr>
+              <a:t>젝트의</a:t>
+            </a:r>
+            <a:r>
+              <a:rPr lang="ko-KR" sz="1800">
+                <a:latin typeface="맑은 고딕" charset="0"/>
+                <a:ea typeface="맑은 고딕" charset="0"/>
+              </a:rPr>
+              <a:t> </a:t>
+            </a:r>
+            <a:r>
+              <a:rPr lang="ko-KR" sz="1800">
+                <a:latin typeface="맑은 고딕" charset="0"/>
+                <a:ea typeface="맑은 고딕" charset="0"/>
+              </a:rPr>
+              <a:t>이미지 컴포넌트에 있는 </a:t>
+            </a:r>
+            <a:r>
+              <a:rPr lang="ko-KR" sz="1800">
+                <a:latin typeface="맑은 고딕" charset="0"/>
+                <a:ea typeface="맑은 고딕" charset="0"/>
+              </a:rPr>
+              <a:t>S</a:t>
+            </a:r>
+            <a:r>
+              <a:rPr lang="ko-KR" sz="1800">
+                <a:latin typeface="맑은 고딕" charset="0"/>
+                <a:ea typeface="맑은 고딕" charset="0"/>
+              </a:rPr>
+              <a:t>o</a:t>
+            </a:r>
+            <a:r>
+              <a:rPr lang="ko-KR" sz="1800">
+                <a:latin typeface="맑은 고딕" charset="0"/>
+                <a:ea typeface="맑은 고딕" charset="0"/>
+              </a:rPr>
+              <a:t>urce</a:t>
+            </a:r>
+            <a:r>
+              <a:rPr lang="ko-KR" sz="1800">
+                <a:latin typeface="맑은 고딕" charset="0"/>
+                <a:ea typeface="맑은 고딕" charset="0"/>
+              </a:rPr>
+              <a:t> Image에 넣어줍니</a:t>
+            </a:r>
+            <a:r>
+              <a:rPr lang="ko-KR" sz="1800">
+                <a:latin typeface="맑은 고딕" charset="0"/>
+                <a:ea typeface="맑은 고딕" charset="0"/>
+              </a:rPr>
+              <a:t>다.</a:t>
+            </a:r>
+            <a:endParaRPr lang="ko-KR" altLang="en-US" sz="1800">
+              <a:latin typeface="맑은 고딕" charset="0"/>
+              <a:ea typeface="맑은 고딕" charset="0"/>
+            </a:endParaRPr>
+          </a:p>
+        </p:txBody>
+      </p:sp>
+      <p:sp>
+        <p:nvSpPr>
+          <p:cNvPr id="1058" name="Rect 0"/>
+          <p:cNvSpPr txBox="1">
+            <a:spLocks/>
+          </p:cNvSpPr>
+          <p:nvPr/>
+        </p:nvSpPr>
+        <p:spPr>
+          <a:xfrm rot="0">
+            <a:off x="1249045" y="5281295"/>
+            <a:ext cx="4114165" cy="954405"/>
+          </a:xfrm>
+          <a:prstGeom prst="rect"/>
+          <a:noFill/>
+          <a:ln w="0">
+            <a:noFill/>
+            <a:prstDash/>
+          </a:ln>
+        </p:spPr>
+        <p:txBody>
+          <a:bodyPr wrap="square" lIns="89535" tIns="46355" rIns="89535" bIns="46355" numCol="1" vert="horz" anchor="t">
+            <a:spAutoFit/>
+          </a:bodyPr>
+          <a:lstStyle/>
+          <a:p>
+            <a:pPr marL="0" indent="0" rtl="0" algn="l" defTabSz="914400" eaLnBrk="1" latinLnBrk="0" hangingPunct="1">
+              <a:buFontTx/>
+              <a:buNone/>
+            </a:pPr>
+            <a:r>
+              <a:rPr lang="ko-KR" sz="2000" b="1">
+                <a:solidFill>
+                  <a:srgbClr val="0611F2"/>
+                </a:solidFill>
+                <a:latin typeface="맑은 고딕" charset="0"/>
+                <a:ea typeface="맑은 고딕" charset="0"/>
+              </a:rPr>
+              <a:t>7</a:t>
+            </a:r>
+            <a:r>
+              <a:rPr sz="2000" b="1">
+                <a:solidFill>
+                  <a:srgbClr val="0611F2"/>
+                </a:solidFill>
+                <a:latin typeface="맑은 고딕" charset="0"/>
+                <a:ea typeface="맑은 고딕" charset="0"/>
+              </a:rPr>
+              <a:t>.</a:t>
+            </a:r>
+            <a:r>
+              <a:rPr sz="2000">
+                <a:latin typeface="맑은 고딕" charset="0"/>
+                <a:ea typeface="맑은 고딕" charset="0"/>
+              </a:rPr>
+              <a:t> </a:t>
+            </a:r>
+            <a:r>
+              <a:rPr sz="1800">
+                <a:latin typeface="맑은 고딕" charset="0"/>
+                <a:ea typeface="맑은 고딕" charset="0"/>
+              </a:rPr>
+              <a:t>이제 UnPack Save Button </a:t>
+            </a:r>
+            <a:r>
+              <a:rPr sz="1800">
+                <a:latin typeface="맑은 고딕" charset="0"/>
+                <a:ea typeface="맑은 고딕" charset="0"/>
+              </a:rPr>
+              <a:t>오브젝트</a:t>
+            </a:r>
+            <a:r>
+              <a:rPr sz="1800">
+                <a:latin typeface="맑은 고딕" charset="0"/>
+                <a:ea typeface="맑은 고딕" charset="0"/>
+              </a:rPr>
+              <a:t>의</a:t>
+            </a:r>
+            <a:r>
+              <a:rPr sz="1800">
+                <a:latin typeface="맑은 고딕" charset="0"/>
+                <a:ea typeface="맑은 고딕" charset="0"/>
+              </a:rPr>
+              <a:t> </a:t>
+            </a:r>
+            <a:r>
+              <a:rPr sz="1800">
+                <a:latin typeface="맑은 고딕" charset="0"/>
+                <a:ea typeface="맑은 고딕" charset="0"/>
+              </a:rPr>
+              <a:t>On Click( ) 함수를 </a:t>
+            </a:r>
+            <a:r>
+              <a:rPr sz="1800">
+                <a:latin typeface="맑은 고딕" charset="0"/>
+                <a:ea typeface="맑은 고딕" charset="0"/>
+              </a:rPr>
+              <a:t>추가합니</a:t>
+            </a:r>
+            <a:r>
+              <a:rPr lang="ko-KR" sz="1800">
+                <a:latin typeface="맑은 고딕" charset="0"/>
+                <a:ea typeface="맑은 고딕" charset="0"/>
+              </a:rPr>
+              <a:t>다.</a:t>
+            </a:r>
+            <a:endParaRPr lang="ko-KR" altLang="en-US" sz="1800">
+              <a:latin typeface="맑은 고딕" charset="0"/>
+              <a:ea typeface="맑은 고딕" charset="0"/>
+            </a:endParaRPr>
+          </a:p>
+        </p:txBody>
+      </p:sp>
+      <p:sp>
+        <p:nvSpPr>
+          <p:cNvPr id="1059" name="Rect 0"/>
+          <p:cNvSpPr txBox="1">
+            <a:spLocks/>
+          </p:cNvSpPr>
+          <p:nvPr/>
+        </p:nvSpPr>
+        <p:spPr>
+          <a:xfrm rot="0">
+            <a:off x="1235075" y="2931795"/>
+            <a:ext cx="4142740" cy="954405"/>
+          </a:xfrm>
+          <a:prstGeom prst="rect"/>
+          <a:noFill/>
+          <a:ln w="0">
+            <a:noFill/>
+            <a:prstDash/>
+          </a:ln>
+        </p:spPr>
+        <p:txBody>
+          <a:bodyPr wrap="square" lIns="89535" tIns="46355" rIns="89535" bIns="46355" numCol="1" vert="horz" anchor="t">
+            <a:spAutoFit/>
+          </a:bodyPr>
+          <a:lstStyle/>
+          <a:p>
+            <a:pPr marL="0" indent="0" rtl="0" algn="l" defTabSz="914400" eaLnBrk="1" latinLnBrk="0" hangingPunct="1">
+              <a:buFontTx/>
+              <a:buNone/>
+            </a:pPr>
+            <a:r>
+              <a:rPr lang="ko-KR" sz="2000" b="1">
+                <a:solidFill>
+                  <a:srgbClr val="0611F2"/>
+                </a:solidFill>
+                <a:latin typeface="맑은 고딕" charset="0"/>
+                <a:ea typeface="맑은 고딕" charset="0"/>
+              </a:rPr>
+              <a:t>6</a:t>
+            </a:r>
+            <a:r>
+              <a:rPr sz="2000" b="1">
+                <a:solidFill>
+                  <a:srgbClr val="0611F2"/>
+                </a:solidFill>
+                <a:latin typeface="맑은 고딕" charset="0"/>
+                <a:ea typeface="맑은 고딕" charset="0"/>
+              </a:rPr>
+              <a:t>.</a:t>
+            </a:r>
+            <a:r>
+              <a:rPr sz="2000">
+                <a:latin typeface="맑은 고딕" charset="0"/>
+                <a:ea typeface="맑은 고딕" charset="0"/>
+              </a:rPr>
+              <a:t> </a:t>
+            </a:r>
+            <a:r>
+              <a:rPr sz="1800">
+                <a:latin typeface="맑은 고딕" charset="0"/>
+                <a:ea typeface="맑은 고딕" charset="0"/>
+              </a:rPr>
+              <a:t>그러고 나서 Prefab Manager </a:t>
+            </a:r>
+            <a:r>
+              <a:rPr sz="1800">
+                <a:latin typeface="맑은 고딕" charset="0"/>
+                <a:ea typeface="맑은 고딕" charset="0"/>
+              </a:rPr>
+              <a:t>오브젝트</a:t>
+            </a:r>
+            <a:r>
+              <a:rPr sz="1800">
+                <a:latin typeface="맑은 고딕" charset="0"/>
+                <a:ea typeface="맑은 고딕" charset="0"/>
+              </a:rPr>
+              <a:t>의</a:t>
+            </a:r>
+            <a:r>
+              <a:rPr sz="1800">
+                <a:latin typeface="맑은 고딕" charset="0"/>
+                <a:ea typeface="맑은 고딕" charset="0"/>
+              </a:rPr>
+              <a:t> </a:t>
+            </a:r>
+            <a:r>
+              <a:rPr sz="1800">
+                <a:latin typeface="맑은 고딕" charset="0"/>
+                <a:ea typeface="맑은 고딕" charset="0"/>
+              </a:rPr>
+              <a:t>위치와 회전 값을 </a:t>
+            </a:r>
+            <a:r>
+              <a:rPr sz="1800">
+                <a:latin typeface="맑은 고딕" charset="0"/>
+                <a:ea typeface="맑은 고딕" charset="0"/>
+              </a:rPr>
+              <a:t>초기화합니</a:t>
+            </a:r>
+            <a:r>
+              <a:rPr lang="ko-KR" sz="1800">
+                <a:latin typeface="맑은 고딕" charset="0"/>
+                <a:ea typeface="맑은 고딕" charset="0"/>
+              </a:rPr>
+              <a:t>다.</a:t>
+            </a:r>
+            <a:endParaRPr lang="ko-KR" altLang="en-US" sz="1800">
+              <a:latin typeface="맑은 고딕" charset="0"/>
+              <a:ea typeface="맑은 고딕" charset="0"/>
+            </a:endParaRPr>
+          </a:p>
+        </p:txBody>
+      </p:sp>
+      <p:pic>
+        <p:nvPicPr>
+          <p:cNvPr id="1060" name="Picture " descr="C:/Users/Admin1/AppData/Roaming/PolarisOffice/ETemp/20164_10016072/fImage30171574464.png"/>
+          <p:cNvPicPr>
+            <a:picLocks noChangeAspect="1"/>
+          </p:cNvPicPr>
+          <p:nvPr/>
+        </p:nvPicPr>
+        <p:blipFill rotWithShape="1">
+          <a:blip r:embed="rId2" cstate="hqprint">
+            <a:extLst>
+              <a:ext uri="{28A0092B-C50C-407E-A947-70E740481C1C}">
+                <a14:useLocalDpi xmlns:a14="http://schemas.microsoft.com/office/drawing/2010/main"/>
+              </a:ext>
+            </a:extLst>
+          </a:blip>
+          <a:stretch>
+            <a:fillRect/>
+          </a:stretch>
+        </p:blipFill>
+        <p:spPr>
+          <a:xfrm rot="0">
+            <a:off x="2714625" y="4026535"/>
+            <a:ext cx="2658110" cy="1161415"/>
+          </a:xfrm>
+          <a:prstGeom prst="roundRect"/>
+          <a:solidFill>
+            <a:srgbClr val="EDEDED"/>
+          </a:solidFill>
+        </p:spPr>
+      </p:pic>
+      <p:pic>
+        <p:nvPicPr>
+          <p:cNvPr id="1063" name="그림 42" descr="C:/Users/Admin1/AppData/Roaming/PolarisOffice/ETemp/20164_10016072/fImage104241635705.png"/>
+          <p:cNvPicPr>
+            <a:picLocks noChangeAspect="1"/>
+          </p:cNvPicPr>
+          <p:nvPr/>
+        </p:nvPicPr>
+        <p:blipFill rotWithShape="1">
+          <a:blip r:embed="rId3" cstate="print">
+            <a:extLst>
+              <a:ext uri="{28A0092B-C50C-407E-A947-70E740481C1C}">
+                <a14:useLocalDpi xmlns:a14="http://schemas.microsoft.com/office/drawing/2010/main" val="0"/>
+              </a:ext>
+            </a:extLst>
+          </a:blip>
+          <a:stretch>
+            <a:fillRect/>
+          </a:stretch>
+        </p:blipFill>
+        <p:spPr>
+          <a:xfrm rot="0">
+            <a:off x="1228725" y="1461770"/>
+            <a:ext cx="4144010" cy="1377315"/>
+          </a:xfrm>
+          <a:prstGeom prst="roundRect"/>
+          <a:solidFill>
+            <a:srgbClr val="EDEDED"/>
+          </a:solidFill>
+        </p:spPr>
+      </p:pic>
+      <p:pic>
+        <p:nvPicPr>
+          <p:cNvPr id="1064" name="그림 45" descr="C:/Users/Admin1/AppData/Roaming/PolarisOffice/ETemp/20164_10016072/fImage69701648145.png"/>
+          <p:cNvPicPr>
+            <a:picLocks noChangeAspect="1"/>
+          </p:cNvPicPr>
+          <p:nvPr/>
+        </p:nvPicPr>
+        <p:blipFill rotWithShape="1">
+          <a:blip r:embed="rId4" cstate="print">
+            <a:extLst>
+              <a:ext uri="{28A0092B-C50C-407E-A947-70E740481C1C}">
+                <a14:useLocalDpi xmlns:a14="http://schemas.microsoft.com/office/drawing/2010/main" val="0"/>
+              </a:ext>
+            </a:extLst>
+          </a:blip>
+          <a:stretch>
+            <a:fillRect/>
+          </a:stretch>
+        </p:blipFill>
+        <p:spPr>
+          <a:xfrm rot="0">
+            <a:off x="1238250" y="4026535"/>
+            <a:ext cx="1362710" cy="1161415"/>
+          </a:xfrm>
+          <a:prstGeom prst="roundRect"/>
+          <a:solidFill>
+            <a:srgbClr val="EDEDED"/>
+          </a:solidFill>
+        </p:spPr>
+      </p:pic>
+      <p:pic>
+        <p:nvPicPr>
+          <p:cNvPr id="1065" name="그림 48" descr="C:/Users/Admin1/AppData/Roaming/PolarisOffice/ETemp/20164_10016072/fImage85801653281.png"/>
+          <p:cNvPicPr>
+            <a:picLocks noChangeAspect="1"/>
+          </p:cNvPicPr>
+          <p:nvPr/>
+        </p:nvPicPr>
+        <p:blipFill rotWithShape="1">
+          <a:blip r:embed="rId5" cstate="print">
+            <a:extLst>
+              <a:ext uri="{28A0092B-C50C-407E-A947-70E740481C1C}">
+                <a14:useLocalDpi xmlns:a14="http://schemas.microsoft.com/office/drawing/2010/main" val="0"/>
+              </a:ext>
+            </a:extLst>
+          </a:blip>
+          <a:stretch>
+            <a:fillRect/>
+          </a:stretch>
+        </p:blipFill>
+        <p:spPr>
+          <a:xfrm rot="0">
+            <a:off x="6829425" y="3186430"/>
+            <a:ext cx="4134485" cy="900430"/>
+          </a:xfrm>
+          <a:prstGeom prst="roundRect"/>
+          <a:solidFill>
+            <a:srgbClr val="EDEDED"/>
+          </a:solidFill>
+        </p:spPr>
+      </p:pic>
+      <p:pic>
+        <p:nvPicPr>
+          <p:cNvPr id="1066" name="그림 51" descr="C:/Users/Admin1/AppData/Roaming/PolarisOffice/ETemp/20164_10016072/fImage155871666827.png"/>
+          <p:cNvPicPr>
+            <a:picLocks noChangeAspect="1"/>
+          </p:cNvPicPr>
+          <p:nvPr/>
+        </p:nvPicPr>
+        <p:blipFill rotWithShape="1">
+          <a:blip r:embed="rId6" cstate="print">
+            <a:extLst>
+              <a:ext uri="{28A0092B-C50C-407E-A947-70E740481C1C}">
+                <a14:useLocalDpi xmlns:a14="http://schemas.microsoft.com/office/drawing/2010/main" val="0"/>
+              </a:ext>
+            </a:extLst>
+          </a:blip>
+          <a:stretch>
+            <a:fillRect/>
+          </a:stretch>
+        </p:blipFill>
+        <p:spPr>
+          <a:xfrm rot="0">
+            <a:off x="6819900" y="1454785"/>
+            <a:ext cx="4143375" cy="1610995"/>
+          </a:xfrm>
+          <a:prstGeom prst="roundRect"/>
+          <a:solidFill>
+            <a:srgbClr val="EDEDED"/>
+          </a:solidFill>
+        </p:spPr>
+      </p:pic>
+      <p:cxnSp>
+        <p:nvCxnSpPr>
+          <p:cNvPr id="1067" name="도형 54"/>
+          <p:cNvCxnSpPr/>
+          <p:nvPr/>
+        </p:nvCxnSpPr>
+        <p:spPr>
+          <a:xfrm rot="0" flipV="1">
+            <a:off x="9854565" y="1697355"/>
+            <a:ext cx="953135" cy="1732280"/>
+          </a:xfrm>
+          <a:prstGeom prst="straightConnector1"/>
+          <a:ln w="6350" cap="flat" cmpd="sng">
+            <a:prstDash/>
+            <a:headEnd type="none" w="med" len="med"/>
+            <a:tailEnd type="triangle" w="med" len="med"/>
+          </a:ln>
+        </p:spPr>
+        <p:style>
+          <a:lnRef idx="1">
+            <a:schemeClr val="accent1"/>
+          </a:lnRef>
+          <a:fillRef idx="0">
+            <a:schemeClr val="accent1"/>
+          </a:fillRef>
+          <a:effectRef idx="0">
+            <a:schemeClr val="accent1"/>
+          </a:effectRef>
+          <a:fontRef idx="minor">
+            <a:schemeClr val="tx1"/>
+          </a:fontRef>
+        </p:style>
+      </p:cxnSp>
     </p:spTree>
   </p:cSld>
   <p:clrMapOvr>
